--- a/Summary of sales and customer behaviours.pptx
+++ b/Summary of sales and customer behaviours.pptx
@@ -5,27 +5,25 @@
     <p:sldMasterId id="2147483648" r:id="rId4"/>
   </p:sldMasterIdLst>
   <p:notesMasterIdLst>
-    <p:notesMasterId r:id="rId20"/>
+    <p:notesMasterId r:id="rId18"/>
   </p:notesMasterIdLst>
   <p:handoutMasterIdLst>
-    <p:handoutMasterId r:id="rId21"/>
+    <p:handoutMasterId r:id="rId19"/>
   </p:handoutMasterIdLst>
   <p:sldIdLst>
     <p:sldId id="256" r:id="rId5"/>
     <p:sldId id="257" r:id="rId6"/>
     <p:sldId id="258" r:id="rId7"/>
-    <p:sldId id="262" r:id="rId8"/>
-    <p:sldId id="268" r:id="rId9"/>
-    <p:sldId id="269" r:id="rId10"/>
-    <p:sldId id="265" r:id="rId11"/>
-    <p:sldId id="264" r:id="rId12"/>
-    <p:sldId id="272" r:id="rId13"/>
-    <p:sldId id="270" r:id="rId14"/>
-    <p:sldId id="259" r:id="rId15"/>
-    <p:sldId id="260" r:id="rId16"/>
-    <p:sldId id="261" r:id="rId17"/>
-    <p:sldId id="266" r:id="rId18"/>
-    <p:sldId id="271" r:id="rId19"/>
+    <p:sldId id="268" r:id="rId8"/>
+    <p:sldId id="269" r:id="rId9"/>
+    <p:sldId id="265" r:id="rId10"/>
+    <p:sldId id="264" r:id="rId11"/>
+    <p:sldId id="272" r:id="rId12"/>
+    <p:sldId id="270" r:id="rId13"/>
+    <p:sldId id="259" r:id="rId14"/>
+    <p:sldId id="260" r:id="rId15"/>
+    <p:sldId id="261" r:id="rId16"/>
+    <p:sldId id="271" r:id="rId17"/>
   </p:sldIdLst>
   <p:sldSz cx="12192000" cy="6858000"/>
   <p:notesSz cx="6858000" cy="9144000"/>
@@ -1237,7 +1235,7 @@
           <a:p>
             <a:fld id="{B56F32FC-4BD9-442A-A8C6-51598C909FE3}" type="datetimeFigureOut">
               <a:rPr lang="en-US" smtClean="0"/>
-              <a:t>1/16/2023</a:t>
+              <a:t>1/17/2023</a:t>
             </a:fld>
             <a:endParaRPr lang="en-US" dirty="0"/>
           </a:p>
@@ -1414,7 +1412,7 @@
           <a:p>
             <a:fld id="{056371FA-A98D-41E8-93F4-09945841298A}" type="datetimeFigureOut">
               <a:rPr lang="en-US" smtClean="0"/>
-              <a:t>1/16/2023</a:t>
+              <a:t>1/17/2023</a:t>
             </a:fld>
             <a:endParaRPr lang="en-US" dirty="0"/>
           </a:p>
@@ -4786,15 +4784,17 @@
         </p:nvSpPr>
         <p:spPr>
           <a:xfrm>
-            <a:off x="8610600" y="6356350"/>
-            <a:ext cx="2743200" cy="365125"/>
+            <a:off x="10741890" y="6356350"/>
+            <a:ext cx="611909" cy="365125"/>
           </a:xfrm>
         </p:spPr>
         <p:txBody>
           <a:bodyPr/>
           <a:lstStyle>
             <a:lvl1pPr>
-              <a:defRPr sz="900"/>
+              <a:defRPr sz="1200">
+                <a:latin typeface="Arial Black" panose="020B0A04020102020204" pitchFamily="34" charset="0"/>
+              </a:defRPr>
             </a:lvl1pPr>
           </a:lstStyle>
           <a:p>
@@ -10534,22 +10534,24 @@
             <a:spLocks noGrp="1"/>
           </p:cNvSpPr>
           <p:nvPr>
-            <p:ph type="ctrTitle"/>
-          </p:nvPr>
-        </p:nvSpPr>
-        <p:spPr>
-          <a:xfrm>
-            <a:off x="6416040" y="4434840"/>
-            <a:ext cx="4941771" cy="1122202"/>
-          </a:xfrm>
-        </p:spPr>
-        <p:txBody>
-          <a:bodyPr/>
+            <p:ph type="title"/>
+          </p:nvPr>
+        </p:nvSpPr>
+        <p:spPr>
+          <a:xfrm>
+            <a:off x="5476875" y="1671639"/>
+            <a:ext cx="5111750" cy="1204912"/>
+          </a:xfrm>
+        </p:spPr>
+        <p:txBody>
+          <a:bodyPr anchor="b">
+            <a:normAutofit/>
+          </a:bodyPr>
           <a:lstStyle/>
           <a:p>
             <a:r>
               <a:rPr lang="en-US" dirty="0"/>
-              <a:t>PRESENTATION TITLE</a:t>
+              <a:t>Chips Sales Data</a:t>
             </a:r>
           </a:p>
         </p:txBody>
@@ -10567,13 +10569,13 @@
             <a:spLocks noGrp="1"/>
           </p:cNvSpPr>
           <p:nvPr>
-            <p:ph type="subTitle" idx="1"/>
-          </p:nvPr>
-        </p:nvSpPr>
-        <p:spPr>
-          <a:xfrm>
-            <a:off x="6416041" y="5586890"/>
-            <a:ext cx="4941770" cy="396660"/>
+            <p:ph type="body" idx="1"/>
+          </p:nvPr>
+        </p:nvSpPr>
+        <p:spPr>
+          <a:xfrm>
+            <a:off x="5476875" y="3660774"/>
+            <a:ext cx="5111750" cy="1525588"/>
           </a:xfrm>
         </p:spPr>
         <p:txBody>
@@ -10584,8 +10586,132 @@
           <a:p>
             <a:r>
               <a:rPr lang="en-US" dirty="0"/>
-              <a:t>Mirjam Nilsson</a:t>
-            </a:r>
+              <a:t>Collins Jahwi</a:t>
+            </a:r>
+          </a:p>
+        </p:txBody>
+      </p:sp>
+      <p:sp>
+        <p:nvSpPr>
+          <p:cNvPr id="8" name="Date Placeholder 3">
+            <a:extLst>
+              <a:ext uri="{FF2B5EF4-FFF2-40B4-BE49-F238E27FC236}">
+                <a16:creationId xmlns:a16="http://schemas.microsoft.com/office/drawing/2014/main" id="{8E4E72A1-2F1F-EDE5-7AD9-CADC5D695381}"/>
+              </a:ext>
+            </a:extLst>
+          </p:cNvPr>
+          <p:cNvSpPr>
+            <a:spLocks noGrp="1"/>
+          </p:cNvSpPr>
+          <p:nvPr>
+            <p:ph type="dt" sz="half" idx="10"/>
+          </p:nvPr>
+        </p:nvSpPr>
+        <p:spPr>
+          <a:xfrm>
+            <a:off x="838200" y="6356350"/>
+            <a:ext cx="2743200" cy="365125"/>
+          </a:xfrm>
+        </p:spPr>
+        <p:txBody>
+          <a:bodyPr/>
+          <a:lstStyle/>
+          <a:p>
+            <a:pPr>
+              <a:spcAft>
+                <a:spcPts val="600"/>
+              </a:spcAft>
+            </a:pPr>
+            <a:r>
+              <a:rPr lang="en-US"/>
+              <a:t>20XX</a:t>
+            </a:r>
+          </a:p>
+        </p:txBody>
+      </p:sp>
+      <p:sp>
+        <p:nvSpPr>
+          <p:cNvPr id="10" name="Footer Placeholder 4">
+            <a:extLst>
+              <a:ext uri="{FF2B5EF4-FFF2-40B4-BE49-F238E27FC236}">
+                <a16:creationId xmlns:a16="http://schemas.microsoft.com/office/drawing/2014/main" id="{BEA3BFC3-0EB2-E304-D218-6D68208DB712}"/>
+              </a:ext>
+            </a:extLst>
+          </p:cNvPr>
+          <p:cNvSpPr>
+            <a:spLocks noGrp="1"/>
+          </p:cNvSpPr>
+          <p:nvPr>
+            <p:ph type="ftr" sz="quarter" idx="11"/>
+          </p:nvPr>
+        </p:nvSpPr>
+        <p:spPr>
+          <a:xfrm>
+            <a:off x="4038600" y="6356350"/>
+            <a:ext cx="4114800" cy="365125"/>
+          </a:xfrm>
+        </p:spPr>
+        <p:txBody>
+          <a:bodyPr/>
+          <a:lstStyle/>
+          <a:p>
+            <a:pPr>
+              <a:spcAft>
+                <a:spcPts val="600"/>
+              </a:spcAft>
+            </a:pPr>
+            <a:r>
+              <a:rPr lang="en-US" b="1" dirty="0">
+                <a:solidFill>
+                  <a:srgbClr val="0070C0"/>
+                </a:solidFill>
+              </a:rPr>
+              <a:t>Chips Sales Data</a:t>
+            </a:r>
+          </a:p>
+        </p:txBody>
+      </p:sp>
+      <p:sp>
+        <p:nvSpPr>
+          <p:cNvPr id="12" name="Slide Number Placeholder 5">
+            <a:extLst>
+              <a:ext uri="{FF2B5EF4-FFF2-40B4-BE49-F238E27FC236}">
+                <a16:creationId xmlns:a16="http://schemas.microsoft.com/office/drawing/2014/main" id="{BCF56367-0EF6-657C-935C-78FFC46A6CAA}"/>
+              </a:ext>
+            </a:extLst>
+          </p:cNvPr>
+          <p:cNvSpPr>
+            <a:spLocks noGrp="1"/>
+          </p:cNvSpPr>
+          <p:nvPr>
+            <p:ph type="sldNum" sz="quarter" idx="12"/>
+          </p:nvPr>
+        </p:nvSpPr>
+        <p:spPr>
+          <a:xfrm>
+            <a:off x="8610600" y="6356350"/>
+            <a:ext cx="2743200" cy="365125"/>
+          </a:xfrm>
+        </p:spPr>
+        <p:txBody>
+          <a:bodyPr/>
+          <a:lstStyle/>
+          <a:p>
+            <a:pPr>
+              <a:spcAft>
+                <a:spcPts val="600"/>
+              </a:spcAft>
+            </a:pPr>
+            <a:fld id="{A49DFD55-3C28-40EF-9E31-A92D2E4017FF}" type="slidenum">
+              <a:rPr lang="en-US" smtClean="0"/>
+              <a:pPr>
+                <a:spcAft>
+                  <a:spcPts val="600"/>
+                </a:spcAft>
+              </a:pPr>
+              <a:t>1</a:t>
+            </a:fld>
+            <a:endParaRPr lang="en-US"/>
           </a:p>
         </p:txBody>
       </p:sp>
@@ -10621,10 +10747,10 @@
       </p:grpSpPr>
       <p:sp>
         <p:nvSpPr>
-          <p:cNvPr id="6" name="Date Placeholder 5">
-            <a:extLst>
-              <a:ext uri="{FF2B5EF4-FFF2-40B4-BE49-F238E27FC236}">
-                <a16:creationId xmlns:a16="http://schemas.microsoft.com/office/drawing/2014/main" id="{3627CC26-34EF-4BB9-B289-9EC56B07D1E6}"/>
+          <p:cNvPr id="16" name="Date Placeholder 15">
+            <a:extLst>
+              <a:ext uri="{FF2B5EF4-FFF2-40B4-BE49-F238E27FC236}">
+                <a16:creationId xmlns:a16="http://schemas.microsoft.com/office/drawing/2014/main" id="{24238BD7-9B10-4E64-B1B4-FDE6DD70AA60}"/>
               </a:ext>
             </a:extLst>
           </p:cNvPr>
@@ -10654,10 +10780,10 @@
       </p:sp>
       <p:sp>
         <p:nvSpPr>
-          <p:cNvPr id="7" name="Footer Placeholder 6">
-            <a:extLst>
-              <a:ext uri="{FF2B5EF4-FFF2-40B4-BE49-F238E27FC236}">
-                <a16:creationId xmlns:a16="http://schemas.microsoft.com/office/drawing/2014/main" id="{4E98E6AD-9D37-499C-898E-ED12AC36D31D}"/>
+          <p:cNvPr id="17" name="Footer Placeholder 16">
+            <a:extLst>
+              <a:ext uri="{FF2B5EF4-FFF2-40B4-BE49-F238E27FC236}">
+                <a16:creationId xmlns:a16="http://schemas.microsoft.com/office/drawing/2014/main" id="{CD3D67B7-A821-49FC-94BE-19EDE9D319A5}"/>
               </a:ext>
             </a:extLst>
           </p:cNvPr>
@@ -10670,8 +10796,8 @@
         </p:nvSpPr>
         <p:spPr>
           <a:xfrm>
-            <a:off x="4038600" y="6356350"/>
-            <a:ext cx="4114800" cy="365125"/>
+            <a:off x="4108580" y="6356350"/>
+            <a:ext cx="3775981" cy="365125"/>
           </a:xfrm>
         </p:spPr>
         <p:txBody>
@@ -10679,18 +10805,22 @@
           <a:lstStyle/>
           <a:p>
             <a:r>
-              <a:rPr lang="en-US" dirty="0"/>
-              <a:t>PRESENTATION TITLE</a:t>
-            </a:r>
-          </a:p>
-        </p:txBody>
-      </p:sp>
-      <p:sp>
-        <p:nvSpPr>
-          <p:cNvPr id="8" name="Slide Number Placeholder 7">
-            <a:extLst>
-              <a:ext uri="{FF2B5EF4-FFF2-40B4-BE49-F238E27FC236}">
-                <a16:creationId xmlns:a16="http://schemas.microsoft.com/office/drawing/2014/main" id="{92908AF9-2A07-4B50-BC13-471792106EC8}"/>
+              <a:rPr lang="en-US" b="1" dirty="0">
+                <a:solidFill>
+                  <a:srgbClr val="0070C0"/>
+                </a:solidFill>
+              </a:rPr>
+              <a:t>Chips Sales data</a:t>
+            </a:r>
+          </a:p>
+        </p:txBody>
+      </p:sp>
+      <p:sp>
+        <p:nvSpPr>
+          <p:cNvPr id="18" name="Slide Number Placeholder 17">
+            <a:extLst>
+              <a:ext uri="{FF2B5EF4-FFF2-40B4-BE49-F238E27FC236}">
+                <a16:creationId xmlns:a16="http://schemas.microsoft.com/office/drawing/2014/main" id="{C8D6D0E8-3983-4B7D-ADB2-077E17AD3BD0}"/>
               </a:ext>
             </a:extLst>
           </p:cNvPr>
@@ -10703,8 +10833,8 @@
         </p:nvSpPr>
         <p:spPr>
           <a:xfrm>
-            <a:off x="8610600" y="6356350"/>
-            <a:ext cx="2743200" cy="365125"/>
+            <a:off x="10810874" y="6356350"/>
+            <a:ext cx="542925" cy="365125"/>
           </a:xfrm>
         </p:spPr>
         <p:txBody>
@@ -10722,10 +10852,10 @@
       </p:sp>
       <p:pic>
         <p:nvPicPr>
-          <p:cNvPr id="9" name="Picture 8">
-            <a:extLst>
-              <a:ext uri="{FF2B5EF4-FFF2-40B4-BE49-F238E27FC236}">
-                <a16:creationId xmlns:a16="http://schemas.microsoft.com/office/drawing/2014/main" id="{11368F55-2193-1C78-2166-0A5AEFF8B8FB}"/>
+          <p:cNvPr id="19" name="Picture 18">
+            <a:extLst>
+              <a:ext uri="{FF2B5EF4-FFF2-40B4-BE49-F238E27FC236}">
+                <a16:creationId xmlns:a16="http://schemas.microsoft.com/office/drawing/2014/main" id="{860940D3-EBB5-4BD1-0C10-08480E367D51}"/>
               </a:ext>
             </a:extLst>
           </p:cNvPr>
@@ -10742,8 +10872,8 @@
         </p:blipFill>
         <p:spPr>
           <a:xfrm>
-            <a:off x="400051" y="1328973"/>
-            <a:ext cx="11018068" cy="5027378"/>
+            <a:off x="555780" y="1408922"/>
+            <a:ext cx="11080440" cy="4861249"/>
           </a:xfrm>
           <a:prstGeom prst="rect">
             <a:avLst/>
@@ -10752,10 +10882,10 @@
       </p:pic>
       <p:sp>
         <p:nvSpPr>
-          <p:cNvPr id="11" name="Rectangle: Rounded Corners 10">
-            <a:extLst>
-              <a:ext uri="{FF2B5EF4-FFF2-40B4-BE49-F238E27FC236}">
-                <a16:creationId xmlns:a16="http://schemas.microsoft.com/office/drawing/2014/main" id="{5EDD5065-7587-C143-9EA9-30A5B30B2C41}"/>
+          <p:cNvPr id="20" name="Rectangle: Rounded Corners 19">
+            <a:extLst>
+              <a:ext uri="{FF2B5EF4-FFF2-40B4-BE49-F238E27FC236}">
+                <a16:creationId xmlns:a16="http://schemas.microsoft.com/office/drawing/2014/main" id="{D1D79427-B1BA-A116-BBA9-2193795712D0}"/>
               </a:ext>
             </a:extLst>
           </p:cNvPr>
@@ -10764,8 +10894,8 @@
         </p:nvSpPr>
         <p:spPr>
           <a:xfrm>
-            <a:off x="2152650" y="234949"/>
-            <a:ext cx="8610600" cy="533400"/>
+            <a:off x="3321698" y="373691"/>
+            <a:ext cx="5626359" cy="428275"/>
           </a:xfrm>
           <a:prstGeom prst="roundRect">
             <a:avLst/>
@@ -10793,20 +10923,16 @@
           <a:p>
             <a:pPr algn="ctr"/>
             <a:r>
-              <a:rPr lang="en-US" sz="2000" dirty="0">
+              <a:rPr lang="en-US" b="1" dirty="0">
                 <a:solidFill>
-                  <a:schemeClr val="accent5">
-                    <a:lumMod val="75000"/>
-                  </a:schemeClr>
+                  <a:srgbClr val="0070C0"/>
                 </a:solidFill>
               </a:rPr>
-              <a:t>Sales Distribution by product Quantity Clustered by Membership Type</a:t>
-            </a:r>
-            <a:endParaRPr lang="en-ZA" sz="2000" dirty="0">
+              <a:t>Number of Transactions per Brand</a:t>
+            </a:r>
+            <a:endParaRPr lang="en-ZA" b="1" dirty="0">
               <a:solidFill>
-                <a:schemeClr val="accent5">
-                  <a:lumMod val="75000"/>
-                </a:schemeClr>
+                <a:srgbClr val="0070C0"/>
               </a:solidFill>
             </a:endParaRPr>
           </a:p>
@@ -10815,7 +10941,7 @@
     </p:spTree>
     <p:extLst>
       <p:ext uri="{BB962C8B-B14F-4D97-AF65-F5344CB8AC3E}">
-        <p14:creationId xmlns:p14="http://schemas.microsoft.com/office/powerpoint/2010/main" val="2896385493"/>
+        <p14:creationId xmlns:p14="http://schemas.microsoft.com/office/powerpoint/2010/main" val="332104327"/>
       </p:ext>
     </p:extLst>
   </p:cSld>
@@ -10844,24 +10970,24 @@
       </p:grpSpPr>
       <p:sp>
         <p:nvSpPr>
-          <p:cNvPr id="2" name="Title 1">
-            <a:extLst>
-              <a:ext uri="{FF2B5EF4-FFF2-40B4-BE49-F238E27FC236}">
-                <a16:creationId xmlns:a16="http://schemas.microsoft.com/office/drawing/2014/main" id="{FA93DB88-62DD-4C41-977F-D59BEF14EE76}"/>
-              </a:ext>
-            </a:extLst>
-          </p:cNvPr>
-          <p:cNvSpPr>
-            <a:spLocks noGrp="1"/>
-          </p:cNvSpPr>
-          <p:nvPr>
-            <p:ph type="title"/>
-          </p:nvPr>
-        </p:nvSpPr>
-        <p:spPr>
-          <a:xfrm>
-            <a:off x="838200" y="5509419"/>
-            <a:ext cx="4082142" cy="585788"/>
+          <p:cNvPr id="7" name="Date Placeholder 6">
+            <a:extLst>
+              <a:ext uri="{FF2B5EF4-FFF2-40B4-BE49-F238E27FC236}">
+                <a16:creationId xmlns:a16="http://schemas.microsoft.com/office/drawing/2014/main" id="{B2A46C4A-D036-4440-BB64-6754F4FF27C1}"/>
+              </a:ext>
+            </a:extLst>
+          </p:cNvPr>
+          <p:cNvSpPr>
+            <a:spLocks noGrp="1"/>
+          </p:cNvSpPr>
+          <p:nvPr>
+            <p:ph type="dt" sz="half" idx="10"/>
+          </p:nvPr>
+        </p:nvSpPr>
+        <p:spPr>
+          <a:xfrm>
+            <a:off x="838200" y="6356350"/>
+            <a:ext cx="2743200" cy="365125"/>
           </a:xfrm>
         </p:spPr>
         <p:txBody>
@@ -10870,31 +10996,31 @@
           <a:p>
             <a:r>
               <a:rPr lang="en-US" dirty="0"/>
-              <a:t>TIMELINE</a:t>
-            </a:r>
-          </a:p>
-        </p:txBody>
-      </p:sp>
-      <p:sp>
-        <p:nvSpPr>
-          <p:cNvPr id="3" name="Text Placeholder 2">
-            <a:extLst>
-              <a:ext uri="{FF2B5EF4-FFF2-40B4-BE49-F238E27FC236}">
-                <a16:creationId xmlns:a16="http://schemas.microsoft.com/office/drawing/2014/main" id="{AEF37E83-2D8B-42EF-A2C4-5D2BBDB1F05B}"/>
-              </a:ext>
-            </a:extLst>
-          </p:cNvPr>
-          <p:cNvSpPr>
-            <a:spLocks noGrp="1"/>
-          </p:cNvSpPr>
-          <p:nvPr>
-            <p:ph type="body" sz="quarter" idx="13"/>
-          </p:nvPr>
-        </p:nvSpPr>
-        <p:spPr>
-          <a:xfrm>
-            <a:off x="166074" y="1507772"/>
-            <a:ext cx="2141764" cy="514350"/>
+              <a:t>20XX</a:t>
+            </a:r>
+          </a:p>
+        </p:txBody>
+      </p:sp>
+      <p:sp>
+        <p:nvSpPr>
+          <p:cNvPr id="8" name="Footer Placeholder 7">
+            <a:extLst>
+              <a:ext uri="{FF2B5EF4-FFF2-40B4-BE49-F238E27FC236}">
+                <a16:creationId xmlns:a16="http://schemas.microsoft.com/office/drawing/2014/main" id="{905F172A-5D5D-43CD-A187-DA0D303F4144}"/>
+              </a:ext>
+            </a:extLst>
+          </p:cNvPr>
+          <p:cNvSpPr>
+            <a:spLocks noGrp="1"/>
+          </p:cNvSpPr>
+          <p:nvPr>
+            <p:ph type="ftr" sz="quarter" idx="11"/>
+          </p:nvPr>
+        </p:nvSpPr>
+        <p:spPr>
+          <a:xfrm>
+            <a:off x="4038600" y="6356350"/>
+            <a:ext cx="4114800" cy="365125"/>
           </a:xfrm>
         </p:spPr>
         <p:txBody>
@@ -10902,337 +11028,36 @@
           <a:lstStyle/>
           <a:p>
             <a:r>
-              <a:rPr lang="en-US" dirty="0"/>
-              <a:t>Q1</a:t>
-            </a:r>
-          </a:p>
-        </p:txBody>
-      </p:sp>
-      <p:sp>
-        <p:nvSpPr>
-          <p:cNvPr id="4" name="Text Placeholder 3">
-            <a:extLst>
-              <a:ext uri="{FF2B5EF4-FFF2-40B4-BE49-F238E27FC236}">
-                <a16:creationId xmlns:a16="http://schemas.microsoft.com/office/drawing/2014/main" id="{B0D77839-2CFD-4BC8-85DA-9EE69CCE1B20}"/>
-              </a:ext>
-            </a:extLst>
-          </p:cNvPr>
-          <p:cNvSpPr>
-            <a:spLocks noGrp="1"/>
-          </p:cNvSpPr>
-          <p:nvPr>
-            <p:ph type="body" sz="quarter" idx="14"/>
-          </p:nvPr>
-        </p:nvSpPr>
-        <p:spPr>
-          <a:xfrm>
-            <a:off x="732131" y="2584097"/>
-            <a:ext cx="2141764" cy="514350"/>
-          </a:xfrm>
-        </p:spPr>
-        <p:txBody>
-          <a:bodyPr/>
-          <a:lstStyle/>
-          <a:p>
-            <a:r>
-              <a:rPr lang="en-US" dirty="0"/>
-              <a:t>Q2</a:t>
-            </a:r>
-          </a:p>
-        </p:txBody>
-      </p:sp>
-      <p:sp>
-        <p:nvSpPr>
-          <p:cNvPr id="5" name="Text Placeholder 4">
-            <a:extLst>
-              <a:ext uri="{FF2B5EF4-FFF2-40B4-BE49-F238E27FC236}">
-                <a16:creationId xmlns:a16="http://schemas.microsoft.com/office/drawing/2014/main" id="{57E386FF-C90F-4484-A843-D4BA75FFF002}"/>
-              </a:ext>
-            </a:extLst>
-          </p:cNvPr>
-          <p:cNvSpPr>
-            <a:spLocks noGrp="1"/>
-          </p:cNvSpPr>
-          <p:nvPr>
-            <p:ph type="body" sz="quarter" idx="15"/>
-          </p:nvPr>
-        </p:nvSpPr>
-        <p:spPr>
-          <a:xfrm>
-            <a:off x="1338556" y="3660422"/>
-            <a:ext cx="2141764" cy="514350"/>
-          </a:xfrm>
-        </p:spPr>
-        <p:txBody>
-          <a:bodyPr/>
-          <a:lstStyle/>
-          <a:p>
-            <a:r>
-              <a:rPr lang="en-US" dirty="0"/>
-              <a:t>Q3</a:t>
-            </a:r>
-          </a:p>
-        </p:txBody>
-      </p:sp>
-      <p:sp>
-        <p:nvSpPr>
-          <p:cNvPr id="6" name="Text Placeholder 5">
-            <a:extLst>
-              <a:ext uri="{FF2B5EF4-FFF2-40B4-BE49-F238E27FC236}">
-                <a16:creationId xmlns:a16="http://schemas.microsoft.com/office/drawing/2014/main" id="{F30780D1-5C1B-411C-81ED-7B9970FCBF8A}"/>
-              </a:ext>
-            </a:extLst>
-          </p:cNvPr>
-          <p:cNvSpPr>
-            <a:spLocks noGrp="1"/>
-          </p:cNvSpPr>
-          <p:nvPr>
-            <p:ph type="body" sz="quarter" idx="16"/>
-          </p:nvPr>
-        </p:nvSpPr>
-        <p:spPr>
-          <a:xfrm>
-            <a:off x="1922756" y="4736748"/>
-            <a:ext cx="2141764" cy="514350"/>
-          </a:xfrm>
-        </p:spPr>
-        <p:txBody>
-          <a:bodyPr/>
-          <a:lstStyle/>
-          <a:p>
-            <a:r>
-              <a:rPr lang="en-US" dirty="0"/>
-              <a:t>Q4</a:t>
-            </a:r>
-          </a:p>
-        </p:txBody>
-      </p:sp>
-      <p:sp>
-        <p:nvSpPr>
-          <p:cNvPr id="12" name="Text Placeholder 11">
-            <a:extLst>
-              <a:ext uri="{FF2B5EF4-FFF2-40B4-BE49-F238E27FC236}">
-                <a16:creationId xmlns:a16="http://schemas.microsoft.com/office/drawing/2014/main" id="{FABE7D8B-D1CD-44C0-AD2D-2ABA67684E97}"/>
-              </a:ext>
-            </a:extLst>
-          </p:cNvPr>
-          <p:cNvSpPr>
-            <a:spLocks noGrp="1"/>
-          </p:cNvSpPr>
-          <p:nvPr>
-            <p:ph type="body" sz="quarter" idx="17"/>
-          </p:nvPr>
-        </p:nvSpPr>
-        <p:spPr>
-          <a:xfrm>
-            <a:off x="4401536" y="1613528"/>
-            <a:ext cx="5102680" cy="1010842"/>
-          </a:xfrm>
-        </p:spPr>
-        <p:txBody>
-          <a:bodyPr>
-            <a:normAutofit/>
-          </a:bodyPr>
-          <a:lstStyle/>
-          <a:p>
-            <a:r>
-              <a:rPr lang="en-US" dirty="0"/>
-              <a:t>Synergize scalable e-commerce</a:t>
-            </a:r>
-          </a:p>
-        </p:txBody>
-      </p:sp>
-      <p:sp>
-        <p:nvSpPr>
-          <p:cNvPr id="13" name="Text Placeholder 12">
-            <a:extLst>
-              <a:ext uri="{FF2B5EF4-FFF2-40B4-BE49-F238E27FC236}">
-                <a16:creationId xmlns:a16="http://schemas.microsoft.com/office/drawing/2014/main" id="{8C2F0B15-120C-423F-8EE5-F303B19D5CC5}"/>
-              </a:ext>
-            </a:extLst>
-          </p:cNvPr>
-          <p:cNvSpPr>
-            <a:spLocks noGrp="1"/>
-          </p:cNvSpPr>
-          <p:nvPr>
-            <p:ph type="body" sz="quarter" idx="18"/>
-          </p:nvPr>
-        </p:nvSpPr>
-        <p:spPr>
-          <a:xfrm>
-            <a:off x="4986029" y="2682564"/>
-            <a:ext cx="5102680" cy="1010842"/>
-          </a:xfrm>
-        </p:spPr>
-        <p:txBody>
-          <a:bodyPr>
-            <a:normAutofit/>
-          </a:bodyPr>
-          <a:lstStyle/>
-          <a:p>
-            <a:r>
-              <a:rPr lang="en-US" dirty="0"/>
-              <a:t>Coordinate e-business applications</a:t>
-            </a:r>
-          </a:p>
-        </p:txBody>
-      </p:sp>
-      <p:sp>
-        <p:nvSpPr>
-          <p:cNvPr id="14" name="Text Placeholder 13">
-            <a:extLst>
-              <a:ext uri="{FF2B5EF4-FFF2-40B4-BE49-F238E27FC236}">
-                <a16:creationId xmlns:a16="http://schemas.microsoft.com/office/drawing/2014/main" id="{300D2644-F516-41F1-A88D-93673EA209A4}"/>
-              </a:ext>
-            </a:extLst>
-          </p:cNvPr>
-          <p:cNvSpPr>
-            <a:spLocks noGrp="1"/>
-          </p:cNvSpPr>
-          <p:nvPr>
-            <p:ph type="body" sz="quarter" idx="19"/>
-          </p:nvPr>
-        </p:nvSpPr>
-        <p:spPr>
-          <a:xfrm>
-            <a:off x="5576938" y="3755394"/>
-            <a:ext cx="5102680" cy="1010842"/>
-          </a:xfrm>
-        </p:spPr>
-        <p:txBody>
-          <a:bodyPr>
-            <a:normAutofit/>
-          </a:bodyPr>
-          <a:lstStyle/>
-          <a:p>
-            <a:r>
-              <a:rPr lang="en-US" dirty="0"/>
-              <a:t>Deploy strategic networks with compelling e-business needs</a:t>
-            </a:r>
-          </a:p>
-        </p:txBody>
-      </p:sp>
-      <p:sp>
-        <p:nvSpPr>
-          <p:cNvPr id="15" name="Text Placeholder 14">
-            <a:extLst>
-              <a:ext uri="{FF2B5EF4-FFF2-40B4-BE49-F238E27FC236}">
-                <a16:creationId xmlns:a16="http://schemas.microsoft.com/office/drawing/2014/main" id="{9405A1F0-98C1-4B11-8D9A-3C009ADC44D0}"/>
-              </a:ext>
-            </a:extLst>
-          </p:cNvPr>
-          <p:cNvSpPr>
-            <a:spLocks noGrp="1"/>
-          </p:cNvSpPr>
-          <p:nvPr>
-            <p:ph type="body" sz="quarter" idx="20"/>
-          </p:nvPr>
-        </p:nvSpPr>
-        <p:spPr>
-          <a:xfrm>
-            <a:off x="6175280" y="4824430"/>
-            <a:ext cx="5102680" cy="1010842"/>
-          </a:xfrm>
-        </p:spPr>
-        <p:txBody>
-          <a:bodyPr>
-            <a:normAutofit/>
-          </a:bodyPr>
-          <a:lstStyle/>
-          <a:p>
-            <a:r>
-              <a:rPr lang="en-US" dirty="0"/>
-              <a:t>Disseminate standardized metrics</a:t>
-            </a:r>
-          </a:p>
-        </p:txBody>
-      </p:sp>
-      <p:sp>
-        <p:nvSpPr>
-          <p:cNvPr id="16" name="Date Placeholder 15">
-            <a:extLst>
-              <a:ext uri="{FF2B5EF4-FFF2-40B4-BE49-F238E27FC236}">
-                <a16:creationId xmlns:a16="http://schemas.microsoft.com/office/drawing/2014/main" id="{24238BD7-9B10-4E64-B1B4-FDE6DD70AA60}"/>
-              </a:ext>
-            </a:extLst>
-          </p:cNvPr>
-          <p:cNvSpPr>
-            <a:spLocks noGrp="1"/>
-          </p:cNvSpPr>
-          <p:nvPr>
-            <p:ph type="dt" sz="half" idx="10"/>
-          </p:nvPr>
-        </p:nvSpPr>
-        <p:spPr>
-          <a:xfrm>
-            <a:off x="838200" y="6356350"/>
+              <a:rPr lang="en-US" b="1" dirty="0">
+                <a:solidFill>
+                  <a:srgbClr val="0070C0"/>
+                </a:solidFill>
+              </a:rPr>
+              <a:t>Chips sales data</a:t>
+            </a:r>
+          </a:p>
+        </p:txBody>
+      </p:sp>
+      <p:sp>
+        <p:nvSpPr>
+          <p:cNvPr id="9" name="Slide Number Placeholder 8">
+            <a:extLst>
+              <a:ext uri="{FF2B5EF4-FFF2-40B4-BE49-F238E27FC236}">
+                <a16:creationId xmlns:a16="http://schemas.microsoft.com/office/drawing/2014/main" id="{C396FFDC-ADE8-4009-A466-A81787258E88}"/>
+              </a:ext>
+            </a:extLst>
+          </p:cNvPr>
+          <p:cNvSpPr>
+            <a:spLocks noGrp="1"/>
+          </p:cNvSpPr>
+          <p:nvPr>
+            <p:ph type="sldNum" sz="quarter" idx="12"/>
+          </p:nvPr>
+        </p:nvSpPr>
+        <p:spPr>
+          <a:xfrm>
+            <a:off x="8610600" y="6356350"/>
             <a:ext cx="2743200" cy="365125"/>
-          </a:xfrm>
-        </p:spPr>
-        <p:txBody>
-          <a:bodyPr/>
-          <a:lstStyle/>
-          <a:p>
-            <a:r>
-              <a:rPr lang="en-US" dirty="0"/>
-              <a:t>20XX</a:t>
-            </a:r>
-          </a:p>
-        </p:txBody>
-      </p:sp>
-      <p:sp>
-        <p:nvSpPr>
-          <p:cNvPr id="17" name="Footer Placeholder 16">
-            <a:extLst>
-              <a:ext uri="{FF2B5EF4-FFF2-40B4-BE49-F238E27FC236}">
-                <a16:creationId xmlns:a16="http://schemas.microsoft.com/office/drawing/2014/main" id="{CD3D67B7-A821-49FC-94BE-19EDE9D319A5}"/>
-              </a:ext>
-            </a:extLst>
-          </p:cNvPr>
-          <p:cNvSpPr>
-            <a:spLocks noGrp="1"/>
-          </p:cNvSpPr>
-          <p:nvPr>
-            <p:ph type="ftr" sz="quarter" idx="11"/>
-          </p:nvPr>
-        </p:nvSpPr>
-        <p:spPr>
-          <a:xfrm>
-            <a:off x="6749143" y="6356350"/>
-            <a:ext cx="3775981" cy="365125"/>
-          </a:xfrm>
-        </p:spPr>
-        <p:txBody>
-          <a:bodyPr/>
-          <a:lstStyle/>
-          <a:p>
-            <a:r>
-              <a:rPr lang="en-US" dirty="0"/>
-              <a:t>PRESENTATION TITLE</a:t>
-            </a:r>
-          </a:p>
-        </p:txBody>
-      </p:sp>
-      <p:sp>
-        <p:nvSpPr>
-          <p:cNvPr id="18" name="Slide Number Placeholder 17">
-            <a:extLst>
-              <a:ext uri="{FF2B5EF4-FFF2-40B4-BE49-F238E27FC236}">
-                <a16:creationId xmlns:a16="http://schemas.microsoft.com/office/drawing/2014/main" id="{C8D6D0E8-3983-4B7D-ADB2-077E17AD3BD0}"/>
-              </a:ext>
-            </a:extLst>
-          </p:cNvPr>
-          <p:cNvSpPr>
-            <a:spLocks noGrp="1"/>
-          </p:cNvSpPr>
-          <p:nvPr>
-            <p:ph type="sldNum" sz="quarter" idx="12"/>
-          </p:nvPr>
-        </p:nvSpPr>
-        <p:spPr>
-          <a:xfrm>
-            <a:off x="10810874" y="6356350"/>
-            <a:ext cx="542925" cy="365125"/>
           </a:xfrm>
         </p:spPr>
         <p:txBody>
@@ -11248,10 +11073,123 @@
           </a:p>
         </p:txBody>
       </p:sp>
+      <p:sp>
+        <p:nvSpPr>
+          <p:cNvPr id="11" name="Content Placeholder 10">
+            <a:extLst>
+              <a:ext uri="{FF2B5EF4-FFF2-40B4-BE49-F238E27FC236}">
+                <a16:creationId xmlns:a16="http://schemas.microsoft.com/office/drawing/2014/main" id="{B8544EF3-671A-9112-3C31-F83CED6A7DEB}"/>
+              </a:ext>
+            </a:extLst>
+          </p:cNvPr>
+          <p:cNvSpPr>
+            <a:spLocks noGrp="1"/>
+          </p:cNvSpPr>
+          <p:nvPr>
+            <p:ph sz="quarter" idx="4"/>
+          </p:nvPr>
+        </p:nvSpPr>
+        <p:spPr/>
+        <p:txBody>
+          <a:bodyPr/>
+          <a:lstStyle/>
+          <a:p>
+            <a:endParaRPr lang="en-ZA"/>
+          </a:p>
+        </p:txBody>
+      </p:sp>
+      <p:pic>
+        <p:nvPicPr>
+          <p:cNvPr id="13" name="Picture 12">
+            <a:extLst>
+              <a:ext uri="{FF2B5EF4-FFF2-40B4-BE49-F238E27FC236}">
+                <a16:creationId xmlns:a16="http://schemas.microsoft.com/office/drawing/2014/main" id="{3AA3FC26-0B3B-6960-19A8-20BEECBED7F7}"/>
+              </a:ext>
+            </a:extLst>
+          </p:cNvPr>
+          <p:cNvPicPr>
+            <a:picLocks noChangeAspect="1"/>
+          </p:cNvPicPr>
+          <p:nvPr/>
+        </p:nvPicPr>
+        <p:blipFill>
+          <a:blip r:embed="rId2"/>
+          <a:stretch>
+            <a:fillRect/>
+          </a:stretch>
+        </p:blipFill>
+        <p:spPr>
+          <a:xfrm>
+            <a:off x="152462" y="1636495"/>
+            <a:ext cx="11844761" cy="4512378"/>
+          </a:xfrm>
+          <a:prstGeom prst="rect">
+            <a:avLst/>
+          </a:prstGeom>
+        </p:spPr>
+      </p:pic>
+      <p:sp>
+        <p:nvSpPr>
+          <p:cNvPr id="14" name="Rectangle: Rounded Corners 13">
+            <a:extLst>
+              <a:ext uri="{FF2B5EF4-FFF2-40B4-BE49-F238E27FC236}">
+                <a16:creationId xmlns:a16="http://schemas.microsoft.com/office/drawing/2014/main" id="{CD0B8EF2-B1E2-6641-C512-32CCF4A22541}"/>
+              </a:ext>
+            </a:extLst>
+          </p:cNvPr>
+          <p:cNvSpPr/>
+          <p:nvPr/>
+        </p:nvSpPr>
+        <p:spPr>
+          <a:xfrm>
+            <a:off x="2836507" y="316401"/>
+            <a:ext cx="6960636" cy="737118"/>
+          </a:xfrm>
+          <a:prstGeom prst="roundRect">
+            <a:avLst/>
+          </a:prstGeom>
+        </p:spPr>
+        <p:style>
+          <a:lnRef idx="2">
+            <a:schemeClr val="accent1">
+              <a:shade val="50000"/>
+            </a:schemeClr>
+          </a:lnRef>
+          <a:fillRef idx="1">
+            <a:schemeClr val="accent1"/>
+          </a:fillRef>
+          <a:effectRef idx="0">
+            <a:schemeClr val="accent1"/>
+          </a:effectRef>
+          <a:fontRef idx="minor">
+            <a:schemeClr val="lt1"/>
+          </a:fontRef>
+        </p:style>
+        <p:txBody>
+          <a:bodyPr rtlCol="0" anchor="ctr"/>
+          <a:lstStyle/>
+          <a:p>
+            <a:pPr algn="ctr"/>
+            <a:r>
+              <a:rPr lang="en-US" b="1" dirty="0">
+                <a:solidFill>
+                  <a:srgbClr val="0070C0"/>
+                </a:solidFill>
+              </a:rPr>
+              <a:t>Sales Distribution across Brands by Membership type</a:t>
+            </a:r>
+            <a:endParaRPr lang="en-ZA" b="1" dirty="0">
+              <a:solidFill>
+                <a:srgbClr val="0070C0"/>
+              </a:solidFill>
+            </a:endParaRPr>
+          </a:p>
+        </p:txBody>
+      </p:sp>
     </p:spTree>
     <p:extLst>
       <p:ext uri="{BB962C8B-B14F-4D97-AF65-F5344CB8AC3E}">
-        <p14:creationId xmlns:p14="http://schemas.microsoft.com/office/powerpoint/2010/main" val="332104327"/>
+        <p14:creationId xmlns:p14="http://schemas.microsoft.com/office/powerpoint/2010/main" val="1663780162"/>
       </p:ext>
     </p:extLst>
   </p:cSld>
@@ -11280,24 +11218,24 @@
       </p:grpSpPr>
       <p:sp>
         <p:nvSpPr>
-          <p:cNvPr id="2" name="Title 1">
-            <a:extLst>
-              <a:ext uri="{FF2B5EF4-FFF2-40B4-BE49-F238E27FC236}">
-                <a16:creationId xmlns:a16="http://schemas.microsoft.com/office/drawing/2014/main" id="{09140014-73D5-419B-8867-972BB18D52D4}"/>
-              </a:ext>
-            </a:extLst>
-          </p:cNvPr>
-          <p:cNvSpPr>
-            <a:spLocks noGrp="1"/>
-          </p:cNvSpPr>
-          <p:nvPr>
-            <p:ph type="title"/>
-          </p:nvPr>
-        </p:nvSpPr>
-        <p:spPr>
-          <a:xfrm>
-            <a:off x="2933700" y="892177"/>
-            <a:ext cx="8421688" cy="1325563"/>
+          <p:cNvPr id="3" name="Text Placeholder 2">
+            <a:extLst>
+              <a:ext uri="{FF2B5EF4-FFF2-40B4-BE49-F238E27FC236}">
+                <a16:creationId xmlns:a16="http://schemas.microsoft.com/office/drawing/2014/main" id="{D851C395-6BC4-4F00-B40B-069DBBB7C08B}"/>
+              </a:ext>
+            </a:extLst>
+          </p:cNvPr>
+          <p:cNvSpPr>
+            <a:spLocks noGrp="1"/>
+          </p:cNvSpPr>
+          <p:nvPr>
+            <p:ph type="body" idx="1"/>
+          </p:nvPr>
+        </p:nvSpPr>
+        <p:spPr>
+          <a:xfrm>
+            <a:off x="1243104" y="2776936"/>
+            <a:ext cx="2882475" cy="823912"/>
           </a:xfrm>
         </p:spPr>
         <p:txBody>
@@ -11305,41 +11243,12 @@
           <a:lstStyle/>
           <a:p>
             <a:r>
-              <a:rPr lang="en-US" dirty="0"/>
-              <a:t>AREAS OF FOCUS</a:t>
-            </a:r>
-          </a:p>
-        </p:txBody>
-      </p:sp>
-      <p:sp>
-        <p:nvSpPr>
-          <p:cNvPr id="3" name="Text Placeholder 2">
-            <a:extLst>
-              <a:ext uri="{FF2B5EF4-FFF2-40B4-BE49-F238E27FC236}">
-                <a16:creationId xmlns:a16="http://schemas.microsoft.com/office/drawing/2014/main" id="{A45AD8B9-3719-4696-A80F-16A618C5D134}"/>
-              </a:ext>
-            </a:extLst>
-          </p:cNvPr>
-          <p:cNvSpPr>
-            <a:spLocks noGrp="1"/>
-          </p:cNvSpPr>
-          <p:nvPr>
-            <p:ph type="body" idx="1"/>
-          </p:nvPr>
-        </p:nvSpPr>
-        <p:spPr>
-          <a:xfrm>
-            <a:off x="2933700" y="2776936"/>
-            <a:ext cx="3924300" cy="823912"/>
-          </a:xfrm>
-        </p:spPr>
-        <p:txBody>
-          <a:bodyPr/>
-          <a:lstStyle/>
-          <a:p>
-            <a:r>
-              <a:rPr lang="en-US" dirty="0"/>
-              <a:t>B2B MARKET SCENARIOS</a:t>
+              <a:rPr lang="en-US" b="1" dirty="0">
+                <a:solidFill>
+                  <a:srgbClr val="0070C0"/>
+                </a:solidFill>
+              </a:rPr>
+              <a:t>Packet Size</a:t>
             </a:r>
           </a:p>
         </p:txBody>
@@ -11349,7 +11258,7 @@
           <p:cNvPr id="4" name="Content Placeholder 3">
             <a:extLst>
               <a:ext uri="{FF2B5EF4-FFF2-40B4-BE49-F238E27FC236}">
-                <a16:creationId xmlns:a16="http://schemas.microsoft.com/office/drawing/2014/main" id="{33D8731E-4977-402E-8BFD-895B4D0544CC}"/>
+                <a16:creationId xmlns:a16="http://schemas.microsoft.com/office/drawing/2014/main" id="{A1D16151-9486-4A03-AE3A-F1CC562E0564}"/>
               </a:ext>
             </a:extLst>
           </p:cNvPr>
@@ -11362,8 +11271,8 @@
         </p:nvSpPr>
         <p:spPr>
           <a:xfrm>
-            <a:off x="2933700" y="3834606"/>
-            <a:ext cx="3924300" cy="1997867"/>
+            <a:off x="1243104" y="3834606"/>
+            <a:ext cx="2882475" cy="1997867"/>
           </a:xfrm>
         </p:spPr>
         <p:txBody>
@@ -11374,19 +11283,7 @@
           <a:p>
             <a:r>
               <a:rPr lang="en-US" dirty="0"/>
-              <a:t>Develop winning strategies to keep ahead of the competition</a:t>
-            </a:r>
-          </a:p>
-          <a:p>
-            <a:r>
-              <a:rPr lang="en-US" dirty="0"/>
-              <a:t>​Capitalize on low hanging fruit to identify a ballpark value</a:t>
-            </a:r>
-          </a:p>
-          <a:p>
-            <a:r>
-              <a:rPr lang="en-US" dirty="0"/>
-              <a:t>​Visualize customer directed convergence​</a:t>
+              <a:t>The smaller packet sizes do not have good sales numbers it seems the average sized packets sell more</a:t>
             </a:r>
           </a:p>
         </p:txBody>
@@ -11396,7 +11293,7 @@
           <p:cNvPr id="5" name="Text Placeholder 4">
             <a:extLst>
               <a:ext uri="{FF2B5EF4-FFF2-40B4-BE49-F238E27FC236}">
-                <a16:creationId xmlns:a16="http://schemas.microsoft.com/office/drawing/2014/main" id="{91CDEC5F-B8EE-4BC1-843F-13135E6E7AB2}"/>
+                <a16:creationId xmlns:a16="http://schemas.microsoft.com/office/drawing/2014/main" id="{DDE59236-37DD-4582-A2A0-3F9A13A3B55D}"/>
               </a:ext>
             </a:extLst>
           </p:cNvPr>
@@ -11409,8 +11306,8 @@
         </p:nvSpPr>
         <p:spPr>
           <a:xfrm>
-            <a:off x="7410173" y="2776936"/>
-            <a:ext cx="3943627" cy="823912"/>
+            <a:off x="7685604" y="2538999"/>
+            <a:ext cx="2896671" cy="823912"/>
           </a:xfrm>
         </p:spPr>
         <p:txBody>
@@ -11418,8 +11315,12 @@
           <a:lstStyle/>
           <a:p>
             <a:r>
-              <a:rPr lang="en-US" dirty="0"/>
-              <a:t>CLOUD-BASED OPPORTUNITIES</a:t>
+              <a:rPr lang="en-US" b="1" dirty="0">
+                <a:solidFill>
+                  <a:srgbClr val="0070C0"/>
+                </a:solidFill>
+              </a:rPr>
+              <a:t>Customer groups </a:t>
             </a:r>
           </a:p>
         </p:txBody>
@@ -11429,7 +11330,7 @@
           <p:cNvPr id="6" name="Content Placeholder 5">
             <a:extLst>
               <a:ext uri="{FF2B5EF4-FFF2-40B4-BE49-F238E27FC236}">
-                <a16:creationId xmlns:a16="http://schemas.microsoft.com/office/drawing/2014/main" id="{50B65871-FA95-449A-B8BC-90486DE532EF}"/>
+                <a16:creationId xmlns:a16="http://schemas.microsoft.com/office/drawing/2014/main" id="{DE1CCF0F-F0BB-42D7-B3C2-C29336739F32}"/>
               </a:ext>
             </a:extLst>
           </p:cNvPr>
@@ -11442,8 +11343,8 @@
         </p:nvSpPr>
         <p:spPr>
           <a:xfrm>
-            <a:off x="7410173" y="3834606"/>
-            <a:ext cx="3943627" cy="1997867"/>
+            <a:off x="7935531" y="3601246"/>
+            <a:ext cx="2896671" cy="1997867"/>
           </a:xfrm>
         </p:spPr>
         <p:txBody>
@@ -11454,23 +11355,23 @@
           <a:p>
             <a:r>
               <a:rPr lang="en-US" dirty="0"/>
-              <a:t>Iterative approaches to corporate strategy</a:t>
+              <a:t>The older customers have higher purchases than the other groups.</a:t>
             </a:r>
           </a:p>
           <a:p>
             <a:r>
               <a:rPr lang="en-US" dirty="0"/>
-              <a:t>​Establish a management framework from the inside​</a:t>
-            </a:r>
-          </a:p>
-        </p:txBody>
-      </p:sp>
-      <p:sp>
-        <p:nvSpPr>
-          <p:cNvPr id="7" name="Date Placeholder 6">
-            <a:extLst>
-              <a:ext uri="{FF2B5EF4-FFF2-40B4-BE49-F238E27FC236}">
-                <a16:creationId xmlns:a16="http://schemas.microsoft.com/office/drawing/2014/main" id="{B2A46C4A-D036-4440-BB64-6754F4FF27C1}"/>
+              <a:t>Of the 3 premium customer the mainstream also spend more than the premium and ​​​budget customers</a:t>
+            </a:r>
+          </a:p>
+        </p:txBody>
+      </p:sp>
+      <p:sp>
+        <p:nvSpPr>
+          <p:cNvPr id="9" name="Date Placeholder 8">
+            <a:extLst>
+              <a:ext uri="{FF2B5EF4-FFF2-40B4-BE49-F238E27FC236}">
+                <a16:creationId xmlns:a16="http://schemas.microsoft.com/office/drawing/2014/main" id="{B86AD343-7149-4E7C-BD28-3080F25980CF}"/>
               </a:ext>
             </a:extLst>
           </p:cNvPr>
@@ -11500,10 +11401,10 @@
       </p:sp>
       <p:sp>
         <p:nvSpPr>
-          <p:cNvPr id="8" name="Footer Placeholder 7">
-            <a:extLst>
-              <a:ext uri="{FF2B5EF4-FFF2-40B4-BE49-F238E27FC236}">
-                <a16:creationId xmlns:a16="http://schemas.microsoft.com/office/drawing/2014/main" id="{905F172A-5D5D-43CD-A187-DA0D303F4144}"/>
+          <p:cNvPr id="10" name="Footer Placeholder 9">
+            <a:extLst>
+              <a:ext uri="{FF2B5EF4-FFF2-40B4-BE49-F238E27FC236}">
+                <a16:creationId xmlns:a16="http://schemas.microsoft.com/office/drawing/2014/main" id="{A865CC01-A53B-495A-820C-BEC2680EDC42}"/>
               </a:ext>
             </a:extLst>
           </p:cNvPr>
@@ -11525,18 +11426,22 @@
           <a:lstStyle/>
           <a:p>
             <a:r>
-              <a:rPr lang="en-US" dirty="0"/>
-              <a:t>PRESENTATION TITLE</a:t>
-            </a:r>
-          </a:p>
-        </p:txBody>
-      </p:sp>
-      <p:sp>
-        <p:nvSpPr>
-          <p:cNvPr id="9" name="Slide Number Placeholder 8">
-            <a:extLst>
-              <a:ext uri="{FF2B5EF4-FFF2-40B4-BE49-F238E27FC236}">
-                <a16:creationId xmlns:a16="http://schemas.microsoft.com/office/drawing/2014/main" id="{C396FFDC-ADE8-4009-A466-A81787258E88}"/>
+              <a:rPr lang="en-US" b="1" dirty="0">
+                <a:solidFill>
+                  <a:srgbClr val="0070C0"/>
+                </a:solidFill>
+              </a:rPr>
+              <a:t>Chips Sales data</a:t>
+            </a:r>
+          </a:p>
+        </p:txBody>
+      </p:sp>
+      <p:sp>
+        <p:nvSpPr>
+          <p:cNvPr id="11" name="Slide Number Placeholder 10">
+            <a:extLst>
+              <a:ext uri="{FF2B5EF4-FFF2-40B4-BE49-F238E27FC236}">
+                <a16:creationId xmlns:a16="http://schemas.microsoft.com/office/drawing/2014/main" id="{7AE81C1E-A7C3-40CD-9C11-0C03A2221292}"/>
               </a:ext>
             </a:extLst>
           </p:cNvPr>
@@ -11566,10 +11471,68 @@
           </a:p>
         </p:txBody>
       </p:sp>
+      <p:sp>
+        <p:nvSpPr>
+          <p:cNvPr id="12" name="Rectangle: Rounded Corners 11">
+            <a:extLst>
+              <a:ext uri="{FF2B5EF4-FFF2-40B4-BE49-F238E27FC236}">
+                <a16:creationId xmlns:a16="http://schemas.microsoft.com/office/drawing/2014/main" id="{CFB6DF55-BEBB-B4A8-667A-C7790154591A}"/>
+              </a:ext>
+            </a:extLst>
+          </p:cNvPr>
+          <p:cNvSpPr/>
+          <p:nvPr/>
+        </p:nvSpPr>
+        <p:spPr>
+          <a:xfrm flipH="1">
+            <a:off x="4335242" y="625151"/>
+            <a:ext cx="3600289" cy="568233"/>
+          </a:xfrm>
+          <a:prstGeom prst="roundRect">
+            <a:avLst/>
+          </a:prstGeom>
+        </p:spPr>
+        <p:style>
+          <a:lnRef idx="2">
+            <a:schemeClr val="accent1">
+              <a:shade val="50000"/>
+            </a:schemeClr>
+          </a:lnRef>
+          <a:fillRef idx="1">
+            <a:schemeClr val="accent1"/>
+          </a:fillRef>
+          <a:effectRef idx="0">
+            <a:schemeClr val="accent1"/>
+          </a:effectRef>
+          <a:fontRef idx="minor">
+            <a:schemeClr val="lt1"/>
+          </a:fontRef>
+        </p:style>
+        <p:txBody>
+          <a:bodyPr rtlCol="0" anchor="ctr"/>
+          <a:lstStyle/>
+          <a:p>
+            <a:pPr algn="ctr"/>
+            <a:r>
+              <a:rPr lang="en-US" sz="2000" b="1" dirty="0">
+                <a:solidFill>
+                  <a:srgbClr val="0070C0"/>
+                </a:solidFill>
+              </a:rPr>
+              <a:t>Conclusion</a:t>
+            </a:r>
+            <a:endParaRPr lang="en-ZA" sz="2000" b="1" dirty="0">
+              <a:solidFill>
+                <a:srgbClr val="0070C0"/>
+              </a:solidFill>
+            </a:endParaRPr>
+          </a:p>
+        </p:txBody>
+      </p:sp>
     </p:spTree>
     <p:extLst>
       <p:ext uri="{BB962C8B-B14F-4D97-AF65-F5344CB8AC3E}">
-        <p14:creationId xmlns:p14="http://schemas.microsoft.com/office/powerpoint/2010/main" val="1663780162"/>
+        <p14:creationId xmlns:p14="http://schemas.microsoft.com/office/powerpoint/2010/main" val="1429429409"/>
       </p:ext>
     </p:extLst>
   </p:cSld>
@@ -11601,7 +11564,7 @@
           <p:cNvPr id="2" name="Title 1">
             <a:extLst>
               <a:ext uri="{FF2B5EF4-FFF2-40B4-BE49-F238E27FC236}">
-                <a16:creationId xmlns:a16="http://schemas.microsoft.com/office/drawing/2014/main" id="{C4CA0637-CCAA-425E-A57A-6205AFDC8B8C}"/>
+                <a16:creationId xmlns:a16="http://schemas.microsoft.com/office/drawing/2014/main" id="{8BDF1EDE-5423-435C-B149-87AB1BC22B83}"/>
               </a:ext>
             </a:extLst>
           </p:cNvPr>
@@ -11614,27 +11577,29 @@
         </p:nvSpPr>
         <p:spPr>
           <a:xfrm>
-            <a:off x="1885156" y="892177"/>
-            <a:ext cx="8421688" cy="1325563"/>
-          </a:xfrm>
-        </p:spPr>
-        <p:txBody>
-          <a:bodyPr/>
+            <a:off x="1362075" y="1671639"/>
+            <a:ext cx="5111750" cy="1204912"/>
+          </a:xfrm>
+        </p:spPr>
+        <p:txBody>
+          <a:bodyPr anchor="b">
+            <a:normAutofit/>
+          </a:bodyPr>
           <a:lstStyle/>
           <a:p>
             <a:r>
               <a:rPr lang="en-US" dirty="0"/>
-              <a:t>HOW WE GET THERE</a:t>
-            </a:r>
-          </a:p>
-        </p:txBody>
-      </p:sp>
-      <p:sp>
-        <p:nvSpPr>
-          <p:cNvPr id="3" name="Text Placeholder 2">
-            <a:extLst>
-              <a:ext uri="{FF2B5EF4-FFF2-40B4-BE49-F238E27FC236}">
-                <a16:creationId xmlns:a16="http://schemas.microsoft.com/office/drawing/2014/main" id="{D851C395-6BC4-4F00-B40B-069DBBB7C08B}"/>
+              <a:t>THANK YOU</a:t>
+            </a:r>
+          </a:p>
+        </p:txBody>
+      </p:sp>
+      <p:sp>
+        <p:nvSpPr>
+          <p:cNvPr id="3" name="Subtitle 2">
+            <a:extLst>
+              <a:ext uri="{FF2B5EF4-FFF2-40B4-BE49-F238E27FC236}">
+                <a16:creationId xmlns:a16="http://schemas.microsoft.com/office/drawing/2014/main" id="{AF64C29E-DF30-4DC6-AB95-2016F9A703B6}"/>
               </a:ext>
             </a:extLst>
           </p:cNvPr>
@@ -11647,41 +11612,8 @@
         </p:nvSpPr>
         <p:spPr>
           <a:xfrm>
-            <a:off x="1243104" y="2776936"/>
-            <a:ext cx="2882475" cy="823912"/>
-          </a:xfrm>
-        </p:spPr>
-        <p:txBody>
-          <a:bodyPr/>
-          <a:lstStyle/>
-          <a:p>
-            <a:r>
-              <a:rPr lang="en-US" dirty="0"/>
-              <a:t>ROI</a:t>
-            </a:r>
-          </a:p>
-        </p:txBody>
-      </p:sp>
-      <p:sp>
-        <p:nvSpPr>
-          <p:cNvPr id="4" name="Content Placeholder 3">
-            <a:extLst>
-              <a:ext uri="{FF2B5EF4-FFF2-40B4-BE49-F238E27FC236}">
-                <a16:creationId xmlns:a16="http://schemas.microsoft.com/office/drawing/2014/main" id="{A1D16151-9486-4A03-AE3A-F1CC562E0564}"/>
-              </a:ext>
-            </a:extLst>
-          </p:cNvPr>
-          <p:cNvSpPr>
-            <a:spLocks noGrp="1"/>
-          </p:cNvSpPr>
-          <p:nvPr>
-            <p:ph sz="half" idx="2"/>
-          </p:nvPr>
-        </p:nvSpPr>
-        <p:spPr>
-          <a:xfrm>
-            <a:off x="1243104" y="3834606"/>
-            <a:ext cx="2882475" cy="1997867"/>
+            <a:off x="1362075" y="3660774"/>
+            <a:ext cx="5111750" cy="1525588"/>
           </a:xfrm>
         </p:spPr>
         <p:txBody>
@@ -11692,237 +11624,108 @@
           <a:p>
             <a:r>
               <a:rPr lang="en-US" dirty="0"/>
-              <a:t>Envision multimedia-based expertise and cross-media growth strategies​</a:t>
+              <a:t>Collins Jahwi</a:t>
             </a:r>
           </a:p>
           <a:p>
             <a:r>
               <a:rPr lang="en-US" dirty="0"/>
-              <a:t>​Engage worldwide methodologies with web-enabled technologies​</a:t>
-            </a:r>
-          </a:p>
-        </p:txBody>
-      </p:sp>
-      <p:sp>
-        <p:nvSpPr>
-          <p:cNvPr id="5" name="Text Placeholder 4">
-            <a:extLst>
-              <a:ext uri="{FF2B5EF4-FFF2-40B4-BE49-F238E27FC236}">
-                <a16:creationId xmlns:a16="http://schemas.microsoft.com/office/drawing/2014/main" id="{DDE59236-37DD-4582-A2A0-3F9A13A3B55D}"/>
-              </a:ext>
-            </a:extLst>
-          </p:cNvPr>
-          <p:cNvSpPr>
-            <a:spLocks noGrp="1"/>
-          </p:cNvSpPr>
-          <p:nvPr>
-            <p:ph type="body" sz="quarter" idx="3"/>
-          </p:nvPr>
-        </p:nvSpPr>
-        <p:spPr>
-          <a:xfrm>
-            <a:off x="4647665" y="2776936"/>
-            <a:ext cx="2896671" cy="823912"/>
-          </a:xfrm>
-        </p:spPr>
-        <p:txBody>
-          <a:bodyPr/>
-          <a:lstStyle/>
-          <a:p>
-            <a:r>
-              <a:rPr lang="en-US" dirty="0"/>
-              <a:t>NICHE MARKETS </a:t>
-            </a:r>
-          </a:p>
-        </p:txBody>
-      </p:sp>
-      <p:sp>
-        <p:nvSpPr>
-          <p:cNvPr id="6" name="Content Placeholder 5">
-            <a:extLst>
-              <a:ext uri="{FF2B5EF4-FFF2-40B4-BE49-F238E27FC236}">
-                <a16:creationId xmlns:a16="http://schemas.microsoft.com/office/drawing/2014/main" id="{DE1CCF0F-F0BB-42D7-B3C2-C29336739F32}"/>
-              </a:ext>
-            </a:extLst>
-          </p:cNvPr>
-          <p:cNvSpPr>
-            <a:spLocks noGrp="1"/>
-          </p:cNvSpPr>
-          <p:nvPr>
-            <p:ph sz="quarter" idx="4"/>
-          </p:nvPr>
-        </p:nvSpPr>
-        <p:spPr>
-          <a:xfrm>
-            <a:off x="4647665" y="3834606"/>
-            <a:ext cx="2896671" cy="1997867"/>
-          </a:xfrm>
-        </p:spPr>
-        <p:txBody>
-          <a:bodyPr>
+              <a:t>coja1@outlook.com</a:t>
+            </a:r>
+          </a:p>
+        </p:txBody>
+      </p:sp>
+      <p:sp>
+        <p:nvSpPr>
+          <p:cNvPr id="4" name="Date Placeholder 3">
+            <a:extLst>
+              <a:ext uri="{FF2B5EF4-FFF2-40B4-BE49-F238E27FC236}">
+                <a16:creationId xmlns:a16="http://schemas.microsoft.com/office/drawing/2014/main" id="{A47C7382-18E7-4821-8C61-461D6BBE08FC}"/>
+              </a:ext>
+            </a:extLst>
+          </p:cNvPr>
+          <p:cNvSpPr>
+            <a:spLocks noGrp="1"/>
+          </p:cNvSpPr>
+          <p:nvPr>
+            <p:ph type="dt" sz="half" idx="10"/>
+          </p:nvPr>
+        </p:nvSpPr>
+        <p:spPr>
+          <a:xfrm>
+            <a:off x="838200" y="6356350"/>
+            <a:ext cx="1219200" cy="365125"/>
+          </a:xfrm>
+        </p:spPr>
+        <p:txBody>
+          <a:bodyPr anchor="ctr">
             <a:normAutofit/>
           </a:bodyPr>
           <a:lstStyle/>
           <a:p>
+            <a:pPr>
+              <a:spcAft>
+                <a:spcPts val="600"/>
+              </a:spcAft>
+            </a:pPr>
             <a:r>
               <a:rPr lang="en-US" dirty="0"/>
-              <a:t>Pursue scalable customer service through sustainable strategies​</a:t>
-            </a:r>
-          </a:p>
-          <a:p>
-            <a:r>
-              <a:rPr lang="en-US" dirty="0"/>
-              <a:t>Engage top-line web services with cutting-edge deliverables​​​</a:t>
-            </a:r>
-          </a:p>
-        </p:txBody>
-      </p:sp>
-      <p:sp>
-        <p:nvSpPr>
-          <p:cNvPr id="7" name="Text Placeholder 6">
-            <a:extLst>
-              <a:ext uri="{FF2B5EF4-FFF2-40B4-BE49-F238E27FC236}">
-                <a16:creationId xmlns:a16="http://schemas.microsoft.com/office/drawing/2014/main" id="{1F939793-2181-4A3D-9C5A-CE676CC83EC0}"/>
-              </a:ext>
-            </a:extLst>
-          </p:cNvPr>
-          <p:cNvSpPr>
-            <a:spLocks noGrp="1"/>
-          </p:cNvSpPr>
-          <p:nvPr>
-            <p:ph type="body" idx="13"/>
-          </p:nvPr>
-        </p:nvSpPr>
-        <p:spPr>
-          <a:xfrm>
-            <a:off x="8066421" y="2776936"/>
-            <a:ext cx="2882475" cy="823912"/>
-          </a:xfrm>
-        </p:spPr>
-        <p:txBody>
-          <a:bodyPr/>
-          <a:lstStyle/>
-          <a:p>
-            <a:r>
-              <a:rPr lang="en-US" dirty="0"/>
-              <a:t>SUPPLY CHAINS</a:t>
-            </a:r>
-          </a:p>
-        </p:txBody>
-      </p:sp>
-      <p:sp>
-        <p:nvSpPr>
-          <p:cNvPr id="8" name="Content Placeholder 7">
-            <a:extLst>
-              <a:ext uri="{FF2B5EF4-FFF2-40B4-BE49-F238E27FC236}">
-                <a16:creationId xmlns:a16="http://schemas.microsoft.com/office/drawing/2014/main" id="{C9FA0B0D-7B36-4D63-86BD-20E6E1B6A0D8}"/>
-              </a:ext>
-            </a:extLst>
-          </p:cNvPr>
-          <p:cNvSpPr>
-            <a:spLocks noGrp="1"/>
-          </p:cNvSpPr>
-          <p:nvPr>
-            <p:ph sz="half" idx="14"/>
-          </p:nvPr>
-        </p:nvSpPr>
-        <p:spPr>
-          <a:xfrm>
-            <a:off x="8066421" y="3834606"/>
-            <a:ext cx="2882475" cy="1997867"/>
-          </a:xfrm>
-        </p:spPr>
-        <p:txBody>
-          <a:bodyPr>
+              <a:t>20XX</a:t>
+            </a:r>
+            <a:endParaRPr lang="en-US"/>
+          </a:p>
+        </p:txBody>
+      </p:sp>
+      <p:sp>
+        <p:nvSpPr>
+          <p:cNvPr id="5" name="Footer Placeholder 4">
+            <a:extLst>
+              <a:ext uri="{FF2B5EF4-FFF2-40B4-BE49-F238E27FC236}">
+                <a16:creationId xmlns:a16="http://schemas.microsoft.com/office/drawing/2014/main" id="{3990FA1B-5022-47AB-A0AE-8F5C5797997C}"/>
+              </a:ext>
+            </a:extLst>
+          </p:cNvPr>
+          <p:cNvSpPr>
+            <a:spLocks noGrp="1"/>
+          </p:cNvSpPr>
+          <p:nvPr>
+            <p:ph type="ftr" sz="quarter" idx="11"/>
+          </p:nvPr>
+        </p:nvSpPr>
+        <p:spPr>
+          <a:xfrm>
+            <a:off x="2463800" y="6356350"/>
+            <a:ext cx="3479800" cy="365125"/>
+          </a:xfrm>
+        </p:spPr>
+        <p:txBody>
+          <a:bodyPr anchor="ctr">
             <a:normAutofit/>
           </a:bodyPr>
           <a:lstStyle/>
           <a:p>
-            <a:r>
-              <a:rPr lang="en-US" dirty="0"/>
-              <a:t>Cultivate one-to-one customer service with robust ideas​</a:t>
-            </a:r>
-          </a:p>
-          <a:p>
-            <a:r>
-              <a:rPr lang="en-US" dirty="0"/>
-              <a:t>Maximize timely deliverables for real-time schemas​</a:t>
-            </a:r>
-          </a:p>
-        </p:txBody>
-      </p:sp>
-      <p:sp>
-        <p:nvSpPr>
-          <p:cNvPr id="9" name="Date Placeholder 8">
-            <a:extLst>
-              <a:ext uri="{FF2B5EF4-FFF2-40B4-BE49-F238E27FC236}">
-                <a16:creationId xmlns:a16="http://schemas.microsoft.com/office/drawing/2014/main" id="{B86AD343-7149-4E7C-BD28-3080F25980CF}"/>
-              </a:ext>
-            </a:extLst>
-          </p:cNvPr>
-          <p:cNvSpPr>
-            <a:spLocks noGrp="1"/>
-          </p:cNvSpPr>
-          <p:nvPr>
-            <p:ph type="dt" sz="half" idx="10"/>
-          </p:nvPr>
-        </p:nvSpPr>
-        <p:spPr>
-          <a:xfrm>
-            <a:off x="838200" y="6356350"/>
-            <a:ext cx="2743200" cy="365125"/>
-          </a:xfrm>
-        </p:spPr>
-        <p:txBody>
-          <a:bodyPr/>
-          <a:lstStyle/>
-          <a:p>
-            <a:r>
-              <a:rPr lang="en-US" dirty="0"/>
-              <a:t>20XX</a:t>
-            </a:r>
-          </a:p>
-        </p:txBody>
-      </p:sp>
-      <p:sp>
-        <p:nvSpPr>
-          <p:cNvPr id="10" name="Footer Placeholder 9">
-            <a:extLst>
-              <a:ext uri="{FF2B5EF4-FFF2-40B4-BE49-F238E27FC236}">
-                <a16:creationId xmlns:a16="http://schemas.microsoft.com/office/drawing/2014/main" id="{A865CC01-A53B-495A-820C-BEC2680EDC42}"/>
-              </a:ext>
-            </a:extLst>
-          </p:cNvPr>
-          <p:cNvSpPr>
-            <a:spLocks noGrp="1"/>
-          </p:cNvSpPr>
-          <p:nvPr>
-            <p:ph type="ftr" sz="quarter" idx="11"/>
-          </p:nvPr>
-        </p:nvSpPr>
-        <p:spPr>
-          <a:xfrm>
-            <a:off x="4038600" y="6356350"/>
-            <a:ext cx="4114800" cy="365125"/>
-          </a:xfrm>
-        </p:spPr>
-        <p:txBody>
-          <a:bodyPr/>
-          <a:lstStyle/>
-          <a:p>
-            <a:r>
-              <a:rPr lang="en-US" dirty="0"/>
-              <a:t>PRESENTATION TITLE</a:t>
-            </a:r>
-          </a:p>
-        </p:txBody>
-      </p:sp>
-      <p:sp>
-        <p:nvSpPr>
-          <p:cNvPr id="11" name="Slide Number Placeholder 10">
-            <a:extLst>
-              <a:ext uri="{FF2B5EF4-FFF2-40B4-BE49-F238E27FC236}">
-                <a16:creationId xmlns:a16="http://schemas.microsoft.com/office/drawing/2014/main" id="{7AE81C1E-A7C3-40CD-9C11-0C03A2221292}"/>
+            <a:pPr>
+              <a:spcAft>
+                <a:spcPts val="600"/>
+              </a:spcAft>
+            </a:pPr>
+            <a:r>
+              <a:rPr lang="en-US" b="1" dirty="0">
+                <a:solidFill>
+                  <a:srgbClr val="0070C0"/>
+                </a:solidFill>
+              </a:rPr>
+              <a:t>Chips Sales Data</a:t>
+            </a:r>
+          </a:p>
+        </p:txBody>
+      </p:sp>
+      <p:sp>
+        <p:nvSpPr>
+          <p:cNvPr id="6" name="Slide Number Placeholder 5">
+            <a:extLst>
+              <a:ext uri="{FF2B5EF4-FFF2-40B4-BE49-F238E27FC236}">
+                <a16:creationId xmlns:a16="http://schemas.microsoft.com/office/drawing/2014/main" id="{4C127D99-645F-4FCF-9573-FDFE2A344FA9}"/>
               </a:ext>
             </a:extLst>
           </p:cNvPr>
@@ -11940,425 +11743,26 @@
           </a:xfrm>
         </p:spPr>
         <p:txBody>
-          <a:bodyPr/>
-          <a:lstStyle/>
-          <a:p>
-            <a:fld id="{A49DFD55-3C28-40EF-9E31-A92D2E4017FF}" type="slidenum">
-              <a:rPr lang="en-US" smtClean="0"/>
-              <a:pPr/>
-              <a:t>13</a:t>
-            </a:fld>
-            <a:endParaRPr lang="en-US" dirty="0"/>
-          </a:p>
-        </p:txBody>
-      </p:sp>
-    </p:spTree>
-    <p:extLst>
-      <p:ext uri="{BB962C8B-B14F-4D97-AF65-F5344CB8AC3E}">
-        <p14:creationId xmlns:p14="http://schemas.microsoft.com/office/powerpoint/2010/main" val="1429429409"/>
-      </p:ext>
-    </p:extLst>
-  </p:cSld>
-  <p:clrMapOvr>
-    <a:masterClrMapping/>
-  </p:clrMapOvr>
-</p:sld>
-</file>
-
-<file path=ppt/slides/slide14.xml><?xml version="1.0" encoding="utf-8"?>
-<p:sld xmlns:a="http://schemas.openxmlformats.org/drawingml/2006/main" xmlns:r="http://schemas.openxmlformats.org/officeDocument/2006/relationships" xmlns:p="http://schemas.openxmlformats.org/presentationml/2006/main">
-  <p:cSld>
-    <p:spTree>
-      <p:nvGrpSpPr>
-        <p:cNvPr id="1" name=""/>
-        <p:cNvGrpSpPr/>
-        <p:nvPr/>
-      </p:nvGrpSpPr>
-      <p:grpSpPr>
-        <a:xfrm>
-          <a:off x="0" y="0"/>
-          <a:ext cx="0" cy="0"/>
-          <a:chOff x="0" y="0"/>
-          <a:chExt cx="0" cy="0"/>
-        </a:xfrm>
-      </p:grpSpPr>
-      <p:sp>
-        <p:nvSpPr>
-          <p:cNvPr id="2" name="Title 1">
-            <a:extLst>
-              <a:ext uri="{FF2B5EF4-FFF2-40B4-BE49-F238E27FC236}">
-                <a16:creationId xmlns:a16="http://schemas.microsoft.com/office/drawing/2014/main" id="{4518FC28-E0BD-4387-B8BE-9965D1A57FF1}"/>
-              </a:ext>
-            </a:extLst>
-          </p:cNvPr>
-          <p:cNvSpPr>
-            <a:spLocks noGrp="1"/>
-          </p:cNvSpPr>
-          <p:nvPr>
-            <p:ph type="title"/>
-          </p:nvPr>
-        </p:nvSpPr>
-        <p:spPr>
-          <a:xfrm>
-            <a:off x="5476875" y="1671639"/>
-            <a:ext cx="5111750" cy="1204912"/>
-          </a:xfrm>
-        </p:spPr>
-        <p:txBody>
-          <a:bodyPr/>
-          <a:lstStyle/>
-          <a:p>
-            <a:r>
-              <a:rPr lang="en-US" dirty="0"/>
-              <a:t>SUMMARY</a:t>
-            </a:r>
-          </a:p>
-        </p:txBody>
-      </p:sp>
-      <p:sp>
-        <p:nvSpPr>
-          <p:cNvPr id="3" name="Text Placeholder 2">
-            <a:extLst>
-              <a:ext uri="{FF2B5EF4-FFF2-40B4-BE49-F238E27FC236}">
-                <a16:creationId xmlns:a16="http://schemas.microsoft.com/office/drawing/2014/main" id="{FED19BCA-B61F-4EA6-A1FB-CCA3BD8506FB}"/>
-              </a:ext>
-            </a:extLst>
-          </p:cNvPr>
-          <p:cNvSpPr>
-            <a:spLocks noGrp="1"/>
-          </p:cNvSpPr>
-          <p:nvPr>
-            <p:ph type="body" idx="1"/>
-          </p:nvPr>
-        </p:nvSpPr>
-        <p:spPr>
-          <a:xfrm>
-            <a:off x="5476875" y="3660774"/>
-            <a:ext cx="5111750" cy="1525588"/>
-          </a:xfrm>
-        </p:spPr>
-        <p:txBody>
-          <a:bodyPr>
+          <a:bodyPr anchor="ctr">
             <a:normAutofit/>
           </a:bodyPr>
           <a:lstStyle/>
           <a:p>
-            <a:r>
-              <a:rPr lang="en-US" dirty="0"/>
-              <a:t>At Contoso, we believe in giving 110%. By using our next-generation data architecture, we help organizations virtually manage agile workflows. We thrive because of our market knowledge and great team behind our product. As our CEO says, "Efficiencies will come from proactively transforming how we do business."​</a:t>
-            </a:r>
-          </a:p>
-        </p:txBody>
-      </p:sp>
-      <p:sp>
-        <p:nvSpPr>
-          <p:cNvPr id="4" name="Date Placeholder 3">
-            <a:extLst>
-              <a:ext uri="{FF2B5EF4-FFF2-40B4-BE49-F238E27FC236}">
-                <a16:creationId xmlns:a16="http://schemas.microsoft.com/office/drawing/2014/main" id="{00560550-EE65-43CE-B899-F421E74287A1}"/>
-              </a:ext>
-            </a:extLst>
-          </p:cNvPr>
-          <p:cNvSpPr>
-            <a:spLocks noGrp="1"/>
-          </p:cNvSpPr>
-          <p:nvPr>
-            <p:ph type="dt" sz="half" idx="10"/>
-          </p:nvPr>
-        </p:nvSpPr>
-        <p:spPr>
-          <a:xfrm>
-            <a:off x="838200" y="6356350"/>
-            <a:ext cx="2743200" cy="365125"/>
-          </a:xfrm>
-        </p:spPr>
-        <p:txBody>
-          <a:bodyPr/>
-          <a:lstStyle/>
-          <a:p>
-            <a:r>
-              <a:rPr lang="en-US" dirty="0"/>
-              <a:t>20XX</a:t>
-            </a:r>
-          </a:p>
-        </p:txBody>
-      </p:sp>
-      <p:sp>
-        <p:nvSpPr>
-          <p:cNvPr id="5" name="Footer Placeholder 4">
-            <a:extLst>
-              <a:ext uri="{FF2B5EF4-FFF2-40B4-BE49-F238E27FC236}">
-                <a16:creationId xmlns:a16="http://schemas.microsoft.com/office/drawing/2014/main" id="{4135E32A-1A8C-43D2-9C6E-12887B4DEDFB}"/>
-              </a:ext>
-            </a:extLst>
-          </p:cNvPr>
-          <p:cNvSpPr>
-            <a:spLocks noGrp="1"/>
-          </p:cNvSpPr>
-          <p:nvPr>
-            <p:ph type="ftr" sz="quarter" idx="11"/>
-          </p:nvPr>
-        </p:nvSpPr>
-        <p:spPr>
-          <a:xfrm>
-            <a:off x="4038600" y="6356350"/>
-            <a:ext cx="4114800" cy="365125"/>
-          </a:xfrm>
-        </p:spPr>
-        <p:txBody>
-          <a:bodyPr/>
-          <a:lstStyle/>
-          <a:p>
-            <a:r>
-              <a:rPr lang="en-US" dirty="0"/>
-              <a:t>PRESENTATION TITLE</a:t>
-            </a:r>
-          </a:p>
-        </p:txBody>
-      </p:sp>
-      <p:sp>
-        <p:nvSpPr>
-          <p:cNvPr id="6" name="Slide Number Placeholder 5">
-            <a:extLst>
-              <a:ext uri="{FF2B5EF4-FFF2-40B4-BE49-F238E27FC236}">
-                <a16:creationId xmlns:a16="http://schemas.microsoft.com/office/drawing/2014/main" id="{7C4B8313-9270-4128-8674-3A3E42B806BC}"/>
-              </a:ext>
-            </a:extLst>
-          </p:cNvPr>
-          <p:cNvSpPr>
-            <a:spLocks noGrp="1"/>
-          </p:cNvSpPr>
-          <p:nvPr>
-            <p:ph type="sldNum" sz="quarter" idx="12"/>
-          </p:nvPr>
-        </p:nvSpPr>
-        <p:spPr>
-          <a:xfrm>
-            <a:off x="8610600" y="6356350"/>
-            <a:ext cx="2743200" cy="365125"/>
-          </a:xfrm>
-        </p:spPr>
-        <p:txBody>
-          <a:bodyPr/>
-          <a:lstStyle/>
-          <a:p>
+            <a:pPr>
+              <a:spcAft>
+                <a:spcPts val="600"/>
+              </a:spcAft>
+            </a:pPr>
             <a:fld id="{A49DFD55-3C28-40EF-9E31-A92D2E4017FF}" type="slidenum">
               <a:rPr lang="en-US" smtClean="0"/>
-              <a:pPr/>
-              <a:t>14</a:t>
+              <a:pPr>
+                <a:spcAft>
+                  <a:spcPts val="600"/>
+                </a:spcAft>
+              </a:pPr>
+              <a:t>13</a:t>
             </a:fld>
-            <a:endParaRPr lang="en-US" dirty="0"/>
-          </a:p>
-        </p:txBody>
-      </p:sp>
-    </p:spTree>
-    <p:extLst>
-      <p:ext uri="{BB962C8B-B14F-4D97-AF65-F5344CB8AC3E}">
-        <p14:creationId xmlns:p14="http://schemas.microsoft.com/office/powerpoint/2010/main" val="1742861620"/>
-      </p:ext>
-    </p:extLst>
-  </p:cSld>
-  <p:clrMapOvr>
-    <a:masterClrMapping/>
-  </p:clrMapOvr>
-</p:sld>
-</file>
-
-<file path=ppt/slides/slide15.xml><?xml version="1.0" encoding="utf-8"?>
-<p:sld xmlns:a="http://schemas.openxmlformats.org/drawingml/2006/main" xmlns:r="http://schemas.openxmlformats.org/officeDocument/2006/relationships" xmlns:p="http://schemas.openxmlformats.org/presentationml/2006/main">
-  <p:cSld>
-    <p:spTree>
-      <p:nvGrpSpPr>
-        <p:cNvPr id="1" name=""/>
-        <p:cNvGrpSpPr/>
-        <p:nvPr/>
-      </p:nvGrpSpPr>
-      <p:grpSpPr>
-        <a:xfrm>
-          <a:off x="0" y="0"/>
-          <a:ext cx="0" cy="0"/>
-          <a:chOff x="0" y="0"/>
-          <a:chExt cx="0" cy="0"/>
-        </a:xfrm>
-      </p:grpSpPr>
-      <p:sp>
-        <p:nvSpPr>
-          <p:cNvPr id="2" name="Title 1">
-            <a:extLst>
-              <a:ext uri="{FF2B5EF4-FFF2-40B4-BE49-F238E27FC236}">
-                <a16:creationId xmlns:a16="http://schemas.microsoft.com/office/drawing/2014/main" id="{8BDF1EDE-5423-435C-B149-87AB1BC22B83}"/>
-              </a:ext>
-            </a:extLst>
-          </p:cNvPr>
-          <p:cNvSpPr>
-            <a:spLocks noGrp="1"/>
-          </p:cNvSpPr>
-          <p:nvPr>
-            <p:ph type="ctrTitle"/>
-          </p:nvPr>
-        </p:nvSpPr>
-        <p:spPr>
-          <a:xfrm>
-            <a:off x="4267200" y="1615736"/>
-            <a:ext cx="4179570" cy="1524735"/>
-          </a:xfrm>
-        </p:spPr>
-        <p:txBody>
-          <a:bodyPr/>
-          <a:lstStyle/>
-          <a:p>
-            <a:r>
-              <a:rPr lang="en-US" dirty="0"/>
-              <a:t>THANK YOU</a:t>
-            </a:r>
-          </a:p>
-        </p:txBody>
-      </p:sp>
-      <p:sp>
-        <p:nvSpPr>
-          <p:cNvPr id="3" name="Subtitle 2">
-            <a:extLst>
-              <a:ext uri="{FF2B5EF4-FFF2-40B4-BE49-F238E27FC236}">
-                <a16:creationId xmlns:a16="http://schemas.microsoft.com/office/drawing/2014/main" id="{AF64C29E-DF30-4DC6-AB95-2016F9A703B6}"/>
-              </a:ext>
-            </a:extLst>
-          </p:cNvPr>
-          <p:cNvSpPr>
-            <a:spLocks noGrp="1"/>
-          </p:cNvSpPr>
-          <p:nvPr>
-            <p:ph type="subTitle" idx="1"/>
-          </p:nvPr>
-        </p:nvSpPr>
-        <p:spPr>
-          <a:xfrm>
-            <a:off x="4267200" y="3238103"/>
-            <a:ext cx="4179570" cy="1371997"/>
-          </a:xfrm>
-        </p:spPr>
-        <p:txBody>
-          <a:bodyPr>
-            <a:normAutofit/>
-          </a:bodyPr>
-          <a:lstStyle/>
-          <a:p>
-            <a:r>
-              <a:rPr lang="en-US" dirty="0"/>
-              <a:t>Mirjam Nilsson</a:t>
-            </a:r>
-          </a:p>
-          <a:p>
-            <a:r>
-              <a:rPr lang="en-US" dirty="0"/>
-              <a:t>mirjam@contoso.com</a:t>
-            </a:r>
-          </a:p>
-          <a:p>
-            <a:r>
-              <a:rPr lang="en-US" dirty="0"/>
-              <a:t>www.contoso.com</a:t>
-            </a:r>
-          </a:p>
-        </p:txBody>
-      </p:sp>
-      <p:sp>
-        <p:nvSpPr>
-          <p:cNvPr id="4" name="Date Placeholder 3">
-            <a:extLst>
-              <a:ext uri="{FF2B5EF4-FFF2-40B4-BE49-F238E27FC236}">
-                <a16:creationId xmlns:a16="http://schemas.microsoft.com/office/drawing/2014/main" id="{A47C7382-18E7-4821-8C61-461D6BBE08FC}"/>
-              </a:ext>
-            </a:extLst>
-          </p:cNvPr>
-          <p:cNvSpPr>
-            <a:spLocks noGrp="1"/>
-          </p:cNvSpPr>
-          <p:nvPr>
-            <p:ph type="dt" sz="half" idx="10"/>
-          </p:nvPr>
-        </p:nvSpPr>
-        <p:spPr>
-          <a:xfrm>
-            <a:off x="4267200" y="6356350"/>
-            <a:ext cx="1774371" cy="365125"/>
-          </a:xfrm>
-        </p:spPr>
-        <p:txBody>
-          <a:bodyPr/>
-          <a:lstStyle/>
-          <a:p>
-            <a:r>
-              <a:rPr lang="en-US" dirty="0"/>
-              <a:t>20XX</a:t>
-            </a:r>
-          </a:p>
-        </p:txBody>
-      </p:sp>
-      <p:sp>
-        <p:nvSpPr>
-          <p:cNvPr id="5" name="Footer Placeholder 4">
-            <a:extLst>
-              <a:ext uri="{FF2B5EF4-FFF2-40B4-BE49-F238E27FC236}">
-                <a16:creationId xmlns:a16="http://schemas.microsoft.com/office/drawing/2014/main" id="{3990FA1B-5022-47AB-A0AE-8F5C5797997C}"/>
-              </a:ext>
-            </a:extLst>
-          </p:cNvPr>
-          <p:cNvSpPr>
-            <a:spLocks noGrp="1"/>
-          </p:cNvSpPr>
-          <p:nvPr>
-            <p:ph type="ftr" sz="quarter" idx="11"/>
-          </p:nvPr>
-        </p:nvSpPr>
-        <p:spPr>
-          <a:xfrm>
-            <a:off x="6479721" y="6356350"/>
-            <a:ext cx="2661557" cy="365125"/>
-          </a:xfrm>
-        </p:spPr>
-        <p:txBody>
-          <a:bodyPr/>
-          <a:lstStyle/>
-          <a:p>
-            <a:r>
-              <a:rPr lang="en-US" dirty="0"/>
-              <a:t>PRESENTATION TITLE</a:t>
-            </a:r>
-          </a:p>
-        </p:txBody>
-      </p:sp>
-      <p:sp>
-        <p:nvSpPr>
-          <p:cNvPr id="6" name="Slide Number Placeholder 5">
-            <a:extLst>
-              <a:ext uri="{FF2B5EF4-FFF2-40B4-BE49-F238E27FC236}">
-                <a16:creationId xmlns:a16="http://schemas.microsoft.com/office/drawing/2014/main" id="{4C127D99-645F-4FCF-9573-FDFE2A344FA9}"/>
-              </a:ext>
-            </a:extLst>
-          </p:cNvPr>
-          <p:cNvSpPr>
-            <a:spLocks noGrp="1"/>
-          </p:cNvSpPr>
-          <p:nvPr>
-            <p:ph type="sldNum" sz="quarter" idx="12"/>
-          </p:nvPr>
-        </p:nvSpPr>
-        <p:spPr>
-          <a:xfrm>
-            <a:off x="9579428" y="6356350"/>
-            <a:ext cx="1774371" cy="365125"/>
-          </a:xfrm>
-        </p:spPr>
-        <p:txBody>
-          <a:bodyPr/>
-          <a:lstStyle/>
-          <a:p>
-            <a:fld id="{A49DFD55-3C28-40EF-9E31-A92D2E4017FF}" type="slidenum">
-              <a:rPr lang="en-US" smtClean="0"/>
-              <a:pPr/>
-              <a:t>15</a:t>
-            </a:fld>
-            <a:endParaRPr lang="en-US" dirty="0"/>
+            <a:endParaRPr lang="en-US"/>
           </a:p>
         </p:txBody>
       </p:sp>
@@ -12410,8 +11814,8 @@
         </p:nvSpPr>
         <p:spPr>
           <a:xfrm>
-            <a:off x="1333500" y="1020445"/>
-            <a:ext cx="2895600" cy="1325563"/>
+            <a:off x="1333500" y="401217"/>
+            <a:ext cx="2895600" cy="662473"/>
           </a:xfrm>
         </p:spPr>
         <p:txBody>
@@ -12443,8 +11847,123 @@
         </p:nvSpPr>
         <p:spPr>
           <a:xfrm>
-            <a:off x="1333500" y="2924175"/>
-            <a:ext cx="2895600" cy="2519363"/>
+            <a:off x="961053" y="1567543"/>
+            <a:ext cx="3268047" cy="3875995"/>
+          </a:xfrm>
+        </p:spPr>
+        <p:txBody>
+          <a:bodyPr>
+            <a:normAutofit/>
+          </a:bodyPr>
+          <a:lstStyle/>
+          <a:p>
+            <a:pPr marL="342900" indent="-342900">
+              <a:buFont typeface="+mj-lt"/>
+              <a:buAutoNum type="arabicPeriod"/>
+            </a:pPr>
+            <a:r>
+              <a:rPr lang="en-US" dirty="0"/>
+              <a:t>Introduction</a:t>
+            </a:r>
+          </a:p>
+          <a:p>
+            <a:pPr marL="342900" indent="-342900">
+              <a:buFont typeface="+mj-lt"/>
+              <a:buAutoNum type="arabicPeriod"/>
+            </a:pPr>
+            <a:r>
+              <a:rPr lang="en-US" dirty="0"/>
+              <a:t>Sales by packet size</a:t>
+            </a:r>
+          </a:p>
+          <a:p>
+            <a:pPr marL="342900" indent="-342900">
+              <a:buFont typeface="+mj-lt"/>
+              <a:buAutoNum type="arabicPeriod"/>
+            </a:pPr>
+            <a:r>
+              <a:rPr lang="en-US" dirty="0"/>
+              <a:t>Customer total sales</a:t>
+            </a:r>
+          </a:p>
+          <a:p>
+            <a:pPr marL="342900" indent="-342900">
+              <a:buFont typeface="+mj-lt"/>
+              <a:buAutoNum type="arabicPeriod"/>
+            </a:pPr>
+            <a:r>
+              <a:rPr lang="en-US" dirty="0"/>
+              <a:t>Sales Distribution across life stages</a:t>
+            </a:r>
+          </a:p>
+          <a:p>
+            <a:pPr marL="342900" indent="-342900">
+              <a:buFont typeface="+mj-lt"/>
+              <a:buAutoNum type="arabicPeriod"/>
+            </a:pPr>
+            <a:r>
+              <a:rPr lang="en-US" dirty="0"/>
+              <a:t>Customer types</a:t>
+            </a:r>
+          </a:p>
+          <a:p>
+            <a:pPr marL="342900" indent="-342900">
+              <a:buFont typeface="+mj-lt"/>
+              <a:buAutoNum type="arabicPeriod"/>
+            </a:pPr>
+            <a:r>
+              <a:rPr lang="en-US" dirty="0"/>
+              <a:t>Transactions per Brans</a:t>
+            </a:r>
+          </a:p>
+          <a:p>
+            <a:pPr marL="342900" indent="-342900">
+              <a:buFont typeface="+mj-lt"/>
+              <a:buAutoNum type="arabicPeriod"/>
+            </a:pPr>
+            <a:r>
+              <a:rPr lang="en-US" dirty="0"/>
+              <a:t>Sales Distribution Across brands per Customer</a:t>
+            </a:r>
+          </a:p>
+          <a:p>
+            <a:pPr marL="342900" indent="-342900">
+              <a:buFont typeface="+mj-lt"/>
+              <a:buAutoNum type="arabicPeriod"/>
+            </a:pPr>
+            <a:r>
+              <a:rPr lang="en-US" dirty="0"/>
+              <a:t>Conclusion</a:t>
+            </a:r>
+          </a:p>
+          <a:p>
+            <a:endParaRPr lang="en-US" dirty="0"/>
+          </a:p>
+          <a:p>
+            <a:endParaRPr lang="en-US" dirty="0"/>
+          </a:p>
+        </p:txBody>
+      </p:sp>
+      <p:sp>
+        <p:nvSpPr>
+          <p:cNvPr id="5" name="Date Placeholder 4">
+            <a:extLst>
+              <a:ext uri="{FF2B5EF4-FFF2-40B4-BE49-F238E27FC236}">
+                <a16:creationId xmlns:a16="http://schemas.microsoft.com/office/drawing/2014/main" id="{9AB5BAF8-EA80-4AD4-8D83-5960C299573A}"/>
+              </a:ext>
+            </a:extLst>
+          </p:cNvPr>
+          <p:cNvSpPr>
+            <a:spLocks noGrp="1"/>
+          </p:cNvSpPr>
+          <p:nvPr>
+            <p:ph type="dt" sz="half" idx="10"/>
+          </p:nvPr>
+        </p:nvSpPr>
+        <p:spPr>
+          <a:xfrm>
+            <a:off x="1333500" y="6356350"/>
+            <a:ext cx="985157" cy="365125"/>
           </a:xfrm>
         </p:spPr>
         <p:txBody>
@@ -12453,55 +11972,31 @@
           <a:p>
             <a:r>
               <a:rPr lang="en-US" dirty="0"/>
-              <a:t>Introduction</a:t>
-            </a:r>
-          </a:p>
-          <a:p>
-            <a:r>
-              <a:rPr lang="en-US" dirty="0"/>
-              <a:t>Primary goals</a:t>
-            </a:r>
-          </a:p>
-          <a:p>
-            <a:r>
-              <a:rPr lang="en-US" dirty="0"/>
-              <a:t>Areas of growth</a:t>
-            </a:r>
-          </a:p>
-          <a:p>
-            <a:r>
-              <a:rPr lang="en-US" dirty="0"/>
-              <a:t>Timeline</a:t>
-            </a:r>
-          </a:p>
-          <a:p>
-            <a:r>
-              <a:rPr lang="en-US" dirty="0"/>
-              <a:t>Summary</a:t>
-            </a:r>
-          </a:p>
-        </p:txBody>
-      </p:sp>
-      <p:sp>
-        <p:nvSpPr>
-          <p:cNvPr id="5" name="Date Placeholder 4">
-            <a:extLst>
-              <a:ext uri="{FF2B5EF4-FFF2-40B4-BE49-F238E27FC236}">
-                <a16:creationId xmlns:a16="http://schemas.microsoft.com/office/drawing/2014/main" id="{9AB5BAF8-EA80-4AD4-8D83-5960C299573A}"/>
-              </a:ext>
-            </a:extLst>
-          </p:cNvPr>
-          <p:cNvSpPr>
-            <a:spLocks noGrp="1"/>
-          </p:cNvSpPr>
-          <p:nvPr>
-            <p:ph type="dt" sz="half" idx="10"/>
-          </p:nvPr>
-        </p:nvSpPr>
-        <p:spPr>
-          <a:xfrm>
-            <a:off x="1333500" y="6356350"/>
-            <a:ext cx="985157" cy="365125"/>
+              <a:t>20XX</a:t>
+            </a:r>
+          </a:p>
+        </p:txBody>
+      </p:sp>
+      <p:sp>
+        <p:nvSpPr>
+          <p:cNvPr id="4" name="Footer Placeholder 3">
+            <a:extLst>
+              <a:ext uri="{FF2B5EF4-FFF2-40B4-BE49-F238E27FC236}">
+                <a16:creationId xmlns:a16="http://schemas.microsoft.com/office/drawing/2014/main" id="{36C19884-873C-4D13-BE6D-318CF07B0D12}"/>
+              </a:ext>
+            </a:extLst>
+          </p:cNvPr>
+          <p:cNvSpPr>
+            <a:spLocks noGrp="1"/>
+          </p:cNvSpPr>
+          <p:nvPr>
+            <p:ph type="ftr" sz="quarter" idx="11"/>
+          </p:nvPr>
+        </p:nvSpPr>
+        <p:spPr>
+          <a:xfrm>
+            <a:off x="2669886" y="6356349"/>
+            <a:ext cx="2482842" cy="365125"/>
           </a:xfrm>
         </p:spPr>
         <p:txBody>
@@ -12509,41 +12004,12 @@
           <a:lstStyle/>
           <a:p>
             <a:r>
-              <a:rPr lang="en-US" dirty="0"/>
-              <a:t>20XX</a:t>
-            </a:r>
-          </a:p>
-        </p:txBody>
-      </p:sp>
-      <p:sp>
-        <p:nvSpPr>
-          <p:cNvPr id="4" name="Footer Placeholder 3">
-            <a:extLst>
-              <a:ext uri="{FF2B5EF4-FFF2-40B4-BE49-F238E27FC236}">
-                <a16:creationId xmlns:a16="http://schemas.microsoft.com/office/drawing/2014/main" id="{36C19884-873C-4D13-BE6D-318CF07B0D12}"/>
-              </a:ext>
-            </a:extLst>
-          </p:cNvPr>
-          <p:cNvSpPr>
-            <a:spLocks noGrp="1"/>
-          </p:cNvSpPr>
-          <p:nvPr>
-            <p:ph type="ftr" sz="quarter" idx="11"/>
-          </p:nvPr>
-        </p:nvSpPr>
-        <p:spPr>
-          <a:xfrm>
-            <a:off x="2669886" y="6356349"/>
-            <a:ext cx="2482842" cy="365125"/>
-          </a:xfrm>
-        </p:spPr>
-        <p:txBody>
-          <a:bodyPr/>
-          <a:lstStyle/>
-          <a:p>
-            <a:r>
-              <a:rPr lang="en-US" dirty="0"/>
-              <a:t>PRESENTATION TITLE</a:t>
+              <a:rPr lang="en-US" b="1" dirty="0">
+                <a:solidFill>
+                  <a:srgbClr val="0070C0"/>
+                </a:solidFill>
+              </a:rPr>
+              <a:t>Chips Sales Data</a:t>
             </a:r>
           </a:p>
         </p:txBody>
@@ -12631,16 +12097,22 @@
         </p:nvSpPr>
         <p:spPr>
           <a:xfrm>
-            <a:off x="1362075" y="1671639"/>
+            <a:off x="5476875" y="1671639"/>
             <a:ext cx="5111750" cy="1204912"/>
           </a:xfrm>
         </p:spPr>
         <p:txBody>
-          <a:bodyPr/>
+          <a:bodyPr anchor="b">
+            <a:normAutofit/>
+          </a:bodyPr>
           <a:lstStyle/>
           <a:p>
             <a:r>
-              <a:rPr lang="en-US" dirty="0"/>
+              <a:rPr lang="en-US" dirty="0">
+                <a:solidFill>
+                  <a:srgbClr val="0070C0"/>
+                </a:solidFill>
+              </a:rPr>
               <a:t>INTRODUCTION</a:t>
             </a:r>
           </a:p>
@@ -12664,17 +12136,23 @@
         </p:nvSpPr>
         <p:spPr>
           <a:xfrm>
-            <a:off x="1362075" y="3660774"/>
+            <a:off x="5476875" y="3660774"/>
             <a:ext cx="5111750" cy="1525588"/>
           </a:xfrm>
         </p:spPr>
         <p:txBody>
-          <a:bodyPr/>
+          <a:bodyPr>
+            <a:normAutofit/>
+          </a:bodyPr>
           <a:lstStyle/>
           <a:p>
             <a:r>
-              <a:rPr lang="en-US" dirty="0"/>
-              <a:t>At Contoso, we empower organizations to foster collaborative thinking to further drive workplace innovation. By closing the loop and leveraging agile frameworks, we help business grow organically and foster a consumer-first mindset.​</a:t>
+              <a:rPr lang="en-US" b="1" dirty="0">
+                <a:solidFill>
+                  <a:srgbClr val="0070C0"/>
+                </a:solidFill>
+              </a:rPr>
+              <a:t>A Summary of customer buying behavior over  a 1-year period. An analysis of types of customers who purchase chips and their behavior within the region. I looked at packet sizes, total sales by demographics such as incomes and household make up. I also looked at which brands had the most sales.</a:t>
             </a:r>
           </a:p>
         </p:txBody>
@@ -12698,17 +12176,25 @@
         <p:spPr>
           <a:xfrm>
             <a:off x="838200" y="6356350"/>
-            <a:ext cx="1219200" cy="365125"/>
-          </a:xfrm>
-        </p:spPr>
-        <p:txBody>
-          <a:bodyPr/>
+            <a:ext cx="2743200" cy="365125"/>
+          </a:xfrm>
+        </p:spPr>
+        <p:txBody>
+          <a:bodyPr anchor="ctr">
+            <a:normAutofit/>
+          </a:bodyPr>
           <a:lstStyle/>
           <a:p>
+            <a:pPr>
+              <a:spcAft>
+                <a:spcPts val="600"/>
+              </a:spcAft>
+            </a:pPr>
             <a:r>
               <a:rPr lang="en-US" dirty="0"/>
               <a:t>20XX</a:t>
             </a:r>
+            <a:endParaRPr lang="en-US"/>
           </a:p>
         </p:txBody>
       </p:sp>
@@ -12730,18 +12216,26 @@
         </p:nvSpPr>
         <p:spPr>
           <a:xfrm>
-            <a:off x="2463800" y="6356350"/>
-            <a:ext cx="3479800" cy="365125"/>
-          </a:xfrm>
-        </p:spPr>
-        <p:txBody>
-          <a:bodyPr/>
+            <a:off x="4038600" y="6356350"/>
+            <a:ext cx="4114800" cy="365125"/>
+          </a:xfrm>
+        </p:spPr>
+        <p:txBody>
+          <a:bodyPr anchor="ctr">
+            <a:normAutofit/>
+          </a:bodyPr>
           <a:lstStyle/>
           <a:p>
+            <a:pPr>
+              <a:spcAft>
+                <a:spcPts val="600"/>
+              </a:spcAft>
+            </a:pPr>
             <a:r>
               <a:rPr lang="en-US" dirty="0"/>
               <a:t>PRESENTATION TITLE</a:t>
             </a:r>
+            <a:endParaRPr lang="en-US"/>
           </a:p>
         </p:txBody>
       </p:sp>
@@ -12768,15 +12262,26 @@
           </a:xfrm>
         </p:spPr>
         <p:txBody>
-          <a:bodyPr/>
+          <a:bodyPr anchor="ctr">
+            <a:normAutofit/>
+          </a:bodyPr>
           <a:lstStyle/>
           <a:p>
+            <a:pPr>
+              <a:spcAft>
+                <a:spcPts val="600"/>
+              </a:spcAft>
+            </a:pPr>
             <a:fld id="{A49DFD55-3C28-40EF-9E31-A92D2E4017FF}" type="slidenum">
               <a:rPr lang="en-US" smtClean="0"/>
-              <a:pPr/>
+              <a:pPr>
+                <a:spcAft>
+                  <a:spcPts val="600"/>
+                </a:spcAft>
+              </a:pPr>
               <a:t>3</a:t>
             </a:fld>
-            <a:endParaRPr lang="en-US" dirty="0"/>
+            <a:endParaRPr lang="en-US"/>
           </a:p>
         </p:txBody>
       </p:sp>
@@ -12815,21 +12320,21 @@
           <p:cNvPr id="2" name="Title 1">
             <a:extLst>
               <a:ext uri="{FF2B5EF4-FFF2-40B4-BE49-F238E27FC236}">
-                <a16:creationId xmlns:a16="http://schemas.microsoft.com/office/drawing/2014/main" id="{B1FE5F11-B7B9-4B80-8C6A-A8A7A7190B77}"/>
-              </a:ext>
-            </a:extLst>
-          </p:cNvPr>
-          <p:cNvSpPr>
-            <a:spLocks noGrp="1"/>
-          </p:cNvSpPr>
-          <p:nvPr>
-            <p:ph type="ctrTitle"/>
-          </p:nvPr>
-        </p:nvSpPr>
-        <p:spPr>
-          <a:xfrm>
-            <a:off x="6991350" y="2148840"/>
-            <a:ext cx="4179570" cy="1715531"/>
+                <a16:creationId xmlns:a16="http://schemas.microsoft.com/office/drawing/2014/main" id="{AFC6D044-C704-4974-935B-AE3D7EFC9BC4}"/>
+              </a:ext>
+            </a:extLst>
+          </p:cNvPr>
+          <p:cNvSpPr>
+            <a:spLocks noGrp="1"/>
+          </p:cNvSpPr>
+          <p:nvPr>
+            <p:ph type="title"/>
+          </p:nvPr>
+        </p:nvSpPr>
+        <p:spPr>
+          <a:xfrm>
+            <a:off x="838200" y="365125"/>
+            <a:ext cx="10515600" cy="1325563"/>
           </a:xfrm>
         </p:spPr>
         <p:txBody>
@@ -12838,31 +12343,31 @@
           <a:p>
             <a:r>
               <a:rPr lang="en-US" dirty="0"/>
-              <a:t>PRIMARY GOALS</a:t>
-            </a:r>
-          </a:p>
-        </p:txBody>
-      </p:sp>
-      <p:sp>
-        <p:nvSpPr>
-          <p:cNvPr id="3" name="Subtitle 2">
-            <a:extLst>
-              <a:ext uri="{FF2B5EF4-FFF2-40B4-BE49-F238E27FC236}">
-                <a16:creationId xmlns:a16="http://schemas.microsoft.com/office/drawing/2014/main" id="{DA8AFAA9-633A-475C-B8ED-840A34F7294D}"/>
-              </a:ext>
-            </a:extLst>
-          </p:cNvPr>
-          <p:cNvSpPr>
-            <a:spLocks noGrp="1"/>
-          </p:cNvSpPr>
-          <p:nvPr>
-            <p:ph type="subTitle" idx="1"/>
-          </p:nvPr>
-        </p:nvSpPr>
-        <p:spPr>
-          <a:xfrm>
-            <a:off x="6991350" y="3962003"/>
-            <a:ext cx="4179570" cy="365125"/>
+              <a:t>Sales by package Sizes</a:t>
+            </a:r>
+          </a:p>
+        </p:txBody>
+      </p:sp>
+      <p:sp>
+        <p:nvSpPr>
+          <p:cNvPr id="9" name="Date Placeholder 8">
+            <a:extLst>
+              <a:ext uri="{FF2B5EF4-FFF2-40B4-BE49-F238E27FC236}">
+                <a16:creationId xmlns:a16="http://schemas.microsoft.com/office/drawing/2014/main" id="{A672774E-BCBF-4B44-9E79-28E9153ABA7E}"/>
+              </a:ext>
+            </a:extLst>
+          </p:cNvPr>
+          <p:cNvSpPr>
+            <a:spLocks noGrp="1"/>
+          </p:cNvSpPr>
+          <p:nvPr>
+            <p:ph type="dt" sz="half" idx="10"/>
+          </p:nvPr>
+        </p:nvSpPr>
+        <p:spPr>
+          <a:xfrm>
+            <a:off x="838200" y="6356350"/>
+            <a:ext cx="2743200" cy="365125"/>
           </a:xfrm>
         </p:spPr>
         <p:txBody>
@@ -12871,15 +12376,118 @@
           <a:p>
             <a:r>
               <a:rPr lang="en-US" dirty="0"/>
-              <a:t>Annual revenue growth</a:t>
-            </a:r>
-          </a:p>
-        </p:txBody>
-      </p:sp>
+              <a:t>20XX</a:t>
+            </a:r>
+          </a:p>
+        </p:txBody>
+      </p:sp>
+      <p:sp>
+        <p:nvSpPr>
+          <p:cNvPr id="10" name="Footer Placeholder 9">
+            <a:extLst>
+              <a:ext uri="{FF2B5EF4-FFF2-40B4-BE49-F238E27FC236}">
+                <a16:creationId xmlns:a16="http://schemas.microsoft.com/office/drawing/2014/main" id="{18FAD6D3-B1FB-463D-87D0-FA9A4AEA13D6}"/>
+              </a:ext>
+            </a:extLst>
+          </p:cNvPr>
+          <p:cNvSpPr>
+            <a:spLocks noGrp="1"/>
+          </p:cNvSpPr>
+          <p:nvPr>
+            <p:ph type="ftr" sz="quarter" idx="11"/>
+          </p:nvPr>
+        </p:nvSpPr>
+        <p:spPr>
+          <a:xfrm>
+            <a:off x="4038600" y="6356350"/>
+            <a:ext cx="4114800" cy="365125"/>
+          </a:xfrm>
+        </p:spPr>
+        <p:txBody>
+          <a:bodyPr/>
+          <a:lstStyle/>
+          <a:p>
+            <a:r>
+              <a:rPr lang="en-US" b="1" dirty="0">
+                <a:solidFill>
+                  <a:srgbClr val="0070C0"/>
+                </a:solidFill>
+              </a:rPr>
+              <a:t>Chips Sales data</a:t>
+            </a:r>
+          </a:p>
+        </p:txBody>
+      </p:sp>
+      <p:sp>
+        <p:nvSpPr>
+          <p:cNvPr id="11" name="Slide Number Placeholder 10">
+            <a:extLst>
+              <a:ext uri="{FF2B5EF4-FFF2-40B4-BE49-F238E27FC236}">
+                <a16:creationId xmlns:a16="http://schemas.microsoft.com/office/drawing/2014/main" id="{6D5843A7-CBF3-441B-919C-8467B2BB19B5}"/>
+              </a:ext>
+            </a:extLst>
+          </p:cNvPr>
+          <p:cNvSpPr>
+            <a:spLocks noGrp="1"/>
+          </p:cNvSpPr>
+          <p:nvPr>
+            <p:ph type="sldNum" sz="quarter" idx="12"/>
+          </p:nvPr>
+        </p:nvSpPr>
+        <p:spPr>
+          <a:xfrm>
+            <a:off x="8610600" y="6356350"/>
+            <a:ext cx="2743200" cy="365125"/>
+          </a:xfrm>
+        </p:spPr>
+        <p:txBody>
+          <a:bodyPr/>
+          <a:lstStyle/>
+          <a:p>
+            <a:fld id="{A49DFD55-3C28-40EF-9E31-A92D2E4017FF}" type="slidenum">
+              <a:rPr lang="en-US" smtClean="0"/>
+              <a:pPr/>
+              <a:t>4</a:t>
+            </a:fld>
+            <a:endParaRPr lang="en-US" dirty="0"/>
+          </a:p>
+        </p:txBody>
+      </p:sp>
+      <p:graphicFrame>
+        <p:nvGraphicFramePr>
+          <p:cNvPr id="6" name="Chart Placeholder 5" descr="Chart Placeholder">
+            <a:extLst>
+              <a:ext uri="{FF2B5EF4-FFF2-40B4-BE49-F238E27FC236}">
+                <a16:creationId xmlns:a16="http://schemas.microsoft.com/office/drawing/2014/main" id="{6F154ED7-FC5F-4626-9DAE-6254091B6B49}"/>
+              </a:ext>
+            </a:extLst>
+          </p:cNvPr>
+          <p:cNvGraphicFramePr>
+            <a:graphicFrameLocks noGrp="1"/>
+          </p:cNvGraphicFramePr>
+          <p:nvPr>
+            <p:ph type="chart" sz="quarter" idx="13"/>
+            <p:extLst>
+              <p:ext uri="{D42A27DB-BD31-4B8C-83A1-F6EECF244321}">
+                <p14:modId xmlns:p14="http://schemas.microsoft.com/office/powerpoint/2010/main" val="264212077"/>
+              </p:ext>
+            </p:extLst>
+          </p:nvPr>
+        </p:nvGraphicFramePr>
+        <p:xfrm>
+          <a:off x="0" y="1492899"/>
+          <a:ext cx="11353800" cy="4363390"/>
+        </p:xfrm>
+        <a:graphic>
+          <a:graphicData uri="http://schemas.openxmlformats.org/drawingml/2006/chart">
+            <c:chart xmlns:c="http://schemas.openxmlformats.org/drawingml/2006/chart" xmlns:r="http://schemas.openxmlformats.org/officeDocument/2006/relationships" r:id="rId2"/>
+          </a:graphicData>
+        </a:graphic>
+      </p:graphicFrame>
     </p:spTree>
     <p:extLst>
       <p:ext uri="{BB962C8B-B14F-4D97-AF65-F5344CB8AC3E}">
-        <p14:creationId xmlns:p14="http://schemas.microsoft.com/office/powerpoint/2010/main" val="379728094"/>
+        <p14:creationId xmlns:p14="http://schemas.microsoft.com/office/powerpoint/2010/main" val="2303579910"/>
       </p:ext>
     </p:extLst>
   </p:cSld>
@@ -12908,201 +12516,6 @@
       </p:grpSpPr>
       <p:sp>
         <p:nvSpPr>
-          <p:cNvPr id="2" name="Title 1">
-            <a:extLst>
-              <a:ext uri="{FF2B5EF4-FFF2-40B4-BE49-F238E27FC236}">
-                <a16:creationId xmlns:a16="http://schemas.microsoft.com/office/drawing/2014/main" id="{AFC6D044-C704-4974-935B-AE3D7EFC9BC4}"/>
-              </a:ext>
-            </a:extLst>
-          </p:cNvPr>
-          <p:cNvSpPr>
-            <a:spLocks noGrp="1"/>
-          </p:cNvSpPr>
-          <p:nvPr>
-            <p:ph type="title"/>
-          </p:nvPr>
-        </p:nvSpPr>
-        <p:spPr>
-          <a:xfrm>
-            <a:off x="838200" y="365125"/>
-            <a:ext cx="10515600" cy="1325563"/>
-          </a:xfrm>
-        </p:spPr>
-        <p:txBody>
-          <a:bodyPr/>
-          <a:lstStyle/>
-          <a:p>
-            <a:r>
-              <a:rPr lang="en-US" dirty="0"/>
-              <a:t>Sales by package Sizes</a:t>
-            </a:r>
-          </a:p>
-        </p:txBody>
-      </p:sp>
-      <p:sp>
-        <p:nvSpPr>
-          <p:cNvPr id="9" name="Date Placeholder 8">
-            <a:extLst>
-              <a:ext uri="{FF2B5EF4-FFF2-40B4-BE49-F238E27FC236}">
-                <a16:creationId xmlns:a16="http://schemas.microsoft.com/office/drawing/2014/main" id="{A672774E-BCBF-4B44-9E79-28E9153ABA7E}"/>
-              </a:ext>
-            </a:extLst>
-          </p:cNvPr>
-          <p:cNvSpPr>
-            <a:spLocks noGrp="1"/>
-          </p:cNvSpPr>
-          <p:nvPr>
-            <p:ph type="dt" sz="half" idx="10"/>
-          </p:nvPr>
-        </p:nvSpPr>
-        <p:spPr>
-          <a:xfrm>
-            <a:off x="838200" y="6356350"/>
-            <a:ext cx="2743200" cy="365125"/>
-          </a:xfrm>
-        </p:spPr>
-        <p:txBody>
-          <a:bodyPr/>
-          <a:lstStyle/>
-          <a:p>
-            <a:r>
-              <a:rPr lang="en-US" dirty="0"/>
-              <a:t>20XX</a:t>
-            </a:r>
-          </a:p>
-        </p:txBody>
-      </p:sp>
-      <p:sp>
-        <p:nvSpPr>
-          <p:cNvPr id="10" name="Footer Placeholder 9">
-            <a:extLst>
-              <a:ext uri="{FF2B5EF4-FFF2-40B4-BE49-F238E27FC236}">
-                <a16:creationId xmlns:a16="http://schemas.microsoft.com/office/drawing/2014/main" id="{18FAD6D3-B1FB-463D-87D0-FA9A4AEA13D6}"/>
-              </a:ext>
-            </a:extLst>
-          </p:cNvPr>
-          <p:cNvSpPr>
-            <a:spLocks noGrp="1"/>
-          </p:cNvSpPr>
-          <p:nvPr>
-            <p:ph type="ftr" sz="quarter" idx="11"/>
-          </p:nvPr>
-        </p:nvSpPr>
-        <p:spPr>
-          <a:xfrm>
-            <a:off x="4038600" y="6356350"/>
-            <a:ext cx="4114800" cy="365125"/>
-          </a:xfrm>
-        </p:spPr>
-        <p:txBody>
-          <a:bodyPr/>
-          <a:lstStyle/>
-          <a:p>
-            <a:r>
-              <a:rPr lang="en-US" dirty="0"/>
-              <a:t>PRESENTATION TITLE</a:t>
-            </a:r>
-          </a:p>
-        </p:txBody>
-      </p:sp>
-      <p:sp>
-        <p:nvSpPr>
-          <p:cNvPr id="11" name="Slide Number Placeholder 10">
-            <a:extLst>
-              <a:ext uri="{FF2B5EF4-FFF2-40B4-BE49-F238E27FC236}">
-                <a16:creationId xmlns:a16="http://schemas.microsoft.com/office/drawing/2014/main" id="{6D5843A7-CBF3-441B-919C-8467B2BB19B5}"/>
-              </a:ext>
-            </a:extLst>
-          </p:cNvPr>
-          <p:cNvSpPr>
-            <a:spLocks noGrp="1"/>
-          </p:cNvSpPr>
-          <p:nvPr>
-            <p:ph type="sldNum" sz="quarter" idx="12"/>
-          </p:nvPr>
-        </p:nvSpPr>
-        <p:spPr>
-          <a:xfrm>
-            <a:off x="8610600" y="6356350"/>
-            <a:ext cx="2743200" cy="365125"/>
-          </a:xfrm>
-        </p:spPr>
-        <p:txBody>
-          <a:bodyPr/>
-          <a:lstStyle/>
-          <a:p>
-            <a:fld id="{A49DFD55-3C28-40EF-9E31-A92D2E4017FF}" type="slidenum">
-              <a:rPr lang="en-US" smtClean="0"/>
-              <a:pPr/>
-              <a:t>5</a:t>
-            </a:fld>
-            <a:endParaRPr lang="en-US" dirty="0"/>
-          </a:p>
-        </p:txBody>
-      </p:sp>
-      <p:graphicFrame>
-        <p:nvGraphicFramePr>
-          <p:cNvPr id="6" name="Chart Placeholder 5" descr="Chart Placeholder">
-            <a:extLst>
-              <a:ext uri="{FF2B5EF4-FFF2-40B4-BE49-F238E27FC236}">
-                <a16:creationId xmlns:a16="http://schemas.microsoft.com/office/drawing/2014/main" id="{6F154ED7-FC5F-4626-9DAE-6254091B6B49}"/>
-              </a:ext>
-            </a:extLst>
-          </p:cNvPr>
-          <p:cNvGraphicFramePr>
-            <a:graphicFrameLocks noGrp="1"/>
-          </p:cNvGraphicFramePr>
-          <p:nvPr>
-            <p:ph type="chart" sz="quarter" idx="13"/>
-            <p:extLst>
-              <p:ext uri="{D42A27DB-BD31-4B8C-83A1-F6EECF244321}">
-                <p14:modId xmlns:p14="http://schemas.microsoft.com/office/powerpoint/2010/main" val="264212077"/>
-              </p:ext>
-            </p:extLst>
-          </p:nvPr>
-        </p:nvGraphicFramePr>
-        <p:xfrm>
-          <a:off x="0" y="1492899"/>
-          <a:ext cx="11353800" cy="4363390"/>
-        </p:xfrm>
-        <a:graphic>
-          <a:graphicData uri="http://schemas.openxmlformats.org/drawingml/2006/chart">
-            <c:chart xmlns:c="http://schemas.openxmlformats.org/drawingml/2006/chart" xmlns:r="http://schemas.openxmlformats.org/officeDocument/2006/relationships" r:id="rId2"/>
-          </a:graphicData>
-        </a:graphic>
-      </p:graphicFrame>
-    </p:spTree>
-    <p:extLst>
-      <p:ext uri="{BB962C8B-B14F-4D97-AF65-F5344CB8AC3E}">
-        <p14:creationId xmlns:p14="http://schemas.microsoft.com/office/powerpoint/2010/main" val="2303579910"/>
-      </p:ext>
-    </p:extLst>
-  </p:cSld>
-  <p:clrMapOvr>
-    <a:masterClrMapping/>
-  </p:clrMapOvr>
-</p:sld>
-</file>
-
-<file path=ppt/slides/slide6.xml><?xml version="1.0" encoding="utf-8"?>
-<p:sld xmlns:a="http://schemas.openxmlformats.org/drawingml/2006/main" xmlns:r="http://schemas.openxmlformats.org/officeDocument/2006/relationships" xmlns:p="http://schemas.openxmlformats.org/presentationml/2006/main">
-  <p:cSld>
-    <p:spTree>
-      <p:nvGrpSpPr>
-        <p:cNvPr id="1" name=""/>
-        <p:cNvGrpSpPr/>
-        <p:nvPr/>
-      </p:nvGrpSpPr>
-      <p:grpSpPr>
-        <a:xfrm>
-          <a:off x="0" y="0"/>
-          <a:ext cx="0" cy="0"/>
-          <a:chOff x="0" y="0"/>
-          <a:chExt cx="0" cy="0"/>
-        </a:xfrm>
-      </p:grpSpPr>
-      <p:sp>
-        <p:nvSpPr>
           <p:cNvPr id="3" name="Title 2">
             <a:extLst>
               <a:ext uri="{FF2B5EF4-FFF2-40B4-BE49-F238E27FC236}">
@@ -13190,8 +12603,12 @@
           <a:lstStyle/>
           <a:p>
             <a:r>
-              <a:rPr lang="en-US" dirty="0"/>
-              <a:t>PRESENTATION TITLE</a:t>
+              <a:rPr lang="en-US" b="1" dirty="0">
+                <a:solidFill>
+                  <a:srgbClr val="0070C0"/>
+                </a:solidFill>
+              </a:rPr>
+              <a:t>Chips Sales Data </a:t>
             </a:r>
           </a:p>
         </p:txBody>
@@ -13220,7 +12637,7 @@
             <a:fld id="{A49DFD55-3C28-40EF-9E31-A92D2E4017FF}" type="slidenum">
               <a:rPr lang="en-US" smtClean="0"/>
               <a:pPr/>
-              <a:t>6</a:t>
+              <a:t>5</a:t>
             </a:fld>
             <a:endParaRPr lang="en-US" dirty="0"/>
           </a:p>
@@ -14235,7 +13652,7 @@
 </p:sld>
 </file>
 
-<file path=ppt/slides/slide7.xml><?xml version="1.0" encoding="utf-8"?>
+<file path=ppt/slides/slide6.xml><?xml version="1.0" encoding="utf-8"?>
 <p:sld xmlns:a="http://schemas.openxmlformats.org/drawingml/2006/main" xmlns:r="http://schemas.openxmlformats.org/officeDocument/2006/relationships" xmlns:p="http://schemas.openxmlformats.org/presentationml/2006/main">
   <p:cSld>
     <p:spTree>
@@ -14347,7 +13764,7 @@
             <a:fld id="{A49DFD55-3C28-40EF-9E31-A92D2E4017FF}" type="slidenum">
               <a:rPr lang="en-US" smtClean="0"/>
               <a:pPr/>
-              <a:t>7</a:t>
+              <a:t>6</a:t>
             </a:fld>
             <a:endParaRPr lang="en-US" dirty="0"/>
           </a:p>
@@ -15594,6 +15011,218 @@
 </p:sld>
 </file>
 
+<file path=ppt/slides/slide7.xml><?xml version="1.0" encoding="utf-8"?>
+<p:sld xmlns:a="http://schemas.openxmlformats.org/drawingml/2006/main" xmlns:r="http://schemas.openxmlformats.org/officeDocument/2006/relationships" xmlns:p="http://schemas.openxmlformats.org/presentationml/2006/main">
+  <p:cSld>
+    <p:spTree>
+      <p:nvGrpSpPr>
+        <p:cNvPr id="1" name=""/>
+        <p:cNvGrpSpPr/>
+        <p:nvPr/>
+      </p:nvGrpSpPr>
+      <p:grpSpPr>
+        <a:xfrm>
+          <a:off x="0" y="0"/>
+          <a:ext cx="0" cy="0"/>
+          <a:chOff x="0" y="0"/>
+          <a:chExt cx="0" cy="0"/>
+        </a:xfrm>
+      </p:grpSpPr>
+      <p:sp>
+        <p:nvSpPr>
+          <p:cNvPr id="23" name="Date Placeholder 22">
+            <a:extLst>
+              <a:ext uri="{FF2B5EF4-FFF2-40B4-BE49-F238E27FC236}">
+                <a16:creationId xmlns:a16="http://schemas.microsoft.com/office/drawing/2014/main" id="{637DEDF5-3FCD-4BC2-86A5-7BE2BF01EA38}"/>
+              </a:ext>
+            </a:extLst>
+          </p:cNvPr>
+          <p:cNvSpPr>
+            <a:spLocks noGrp="1"/>
+          </p:cNvSpPr>
+          <p:nvPr>
+            <p:ph type="dt" sz="half" idx="10"/>
+          </p:nvPr>
+        </p:nvSpPr>
+        <p:spPr/>
+        <p:txBody>
+          <a:bodyPr/>
+          <a:lstStyle/>
+          <a:p>
+            <a:r>
+              <a:rPr lang="en-US" dirty="0"/>
+              <a:t>20XX</a:t>
+            </a:r>
+          </a:p>
+        </p:txBody>
+      </p:sp>
+      <p:sp>
+        <p:nvSpPr>
+          <p:cNvPr id="24" name="Footer Placeholder 23">
+            <a:extLst>
+              <a:ext uri="{FF2B5EF4-FFF2-40B4-BE49-F238E27FC236}">
+                <a16:creationId xmlns:a16="http://schemas.microsoft.com/office/drawing/2014/main" id="{918C3C97-444D-4600-8553-B9C4C1F8483B}"/>
+              </a:ext>
+            </a:extLst>
+          </p:cNvPr>
+          <p:cNvSpPr>
+            <a:spLocks noGrp="1"/>
+          </p:cNvSpPr>
+          <p:nvPr>
+            <p:ph type="ftr" sz="quarter" idx="11"/>
+          </p:nvPr>
+        </p:nvSpPr>
+        <p:spPr/>
+        <p:txBody>
+          <a:bodyPr/>
+          <a:lstStyle/>
+          <a:p>
+            <a:r>
+              <a:rPr lang="en-US" b="1" dirty="0">
+                <a:solidFill>
+                  <a:srgbClr val="0070C0"/>
+                </a:solidFill>
+              </a:rPr>
+              <a:t>Chips Sales data</a:t>
+            </a:r>
+          </a:p>
+        </p:txBody>
+      </p:sp>
+      <p:sp>
+        <p:nvSpPr>
+          <p:cNvPr id="25" name="Slide Number Placeholder 24">
+            <a:extLst>
+              <a:ext uri="{FF2B5EF4-FFF2-40B4-BE49-F238E27FC236}">
+                <a16:creationId xmlns:a16="http://schemas.microsoft.com/office/drawing/2014/main" id="{148E9129-4CC6-47BA-ACD8-2C632A8660EC}"/>
+              </a:ext>
+            </a:extLst>
+          </p:cNvPr>
+          <p:cNvSpPr>
+            <a:spLocks noGrp="1"/>
+          </p:cNvSpPr>
+          <p:nvPr>
+            <p:ph type="sldNum" sz="quarter" idx="12"/>
+          </p:nvPr>
+        </p:nvSpPr>
+        <p:spPr/>
+        <p:txBody>
+          <a:bodyPr/>
+          <a:lstStyle/>
+          <a:p>
+            <a:fld id="{A49DFD55-3C28-40EF-9E31-A92D2E4017FF}" type="slidenum">
+              <a:rPr lang="en-US" smtClean="0"/>
+              <a:pPr/>
+              <a:t>7</a:t>
+            </a:fld>
+            <a:endParaRPr lang="en-US" dirty="0"/>
+          </a:p>
+        </p:txBody>
+      </p:sp>
+      <p:sp>
+        <p:nvSpPr>
+          <p:cNvPr id="44" name="Rectangle: Rounded Corners 43">
+            <a:extLst>
+              <a:ext uri="{FF2B5EF4-FFF2-40B4-BE49-F238E27FC236}">
+                <a16:creationId xmlns:a16="http://schemas.microsoft.com/office/drawing/2014/main" id="{95C2522B-797E-D852-9D4A-CB3908E3BD2C}"/>
+              </a:ext>
+            </a:extLst>
+          </p:cNvPr>
+          <p:cNvSpPr/>
+          <p:nvPr/>
+        </p:nvSpPr>
+        <p:spPr>
+          <a:xfrm>
+            <a:off x="1120878" y="354563"/>
+            <a:ext cx="9615948" cy="914400"/>
+          </a:xfrm>
+          <a:prstGeom prst="roundRect">
+            <a:avLst/>
+          </a:prstGeom>
+        </p:spPr>
+        <p:style>
+          <a:lnRef idx="2">
+            <a:schemeClr val="accent1">
+              <a:shade val="50000"/>
+            </a:schemeClr>
+          </a:lnRef>
+          <a:fillRef idx="1">
+            <a:schemeClr val="accent1"/>
+          </a:fillRef>
+          <a:effectRef idx="0">
+            <a:schemeClr val="accent1"/>
+          </a:effectRef>
+          <a:fontRef idx="minor">
+            <a:schemeClr val="lt1"/>
+          </a:fontRef>
+        </p:style>
+        <p:txBody>
+          <a:bodyPr rtlCol="0" anchor="ctr"/>
+          <a:lstStyle/>
+          <a:p>
+            <a:pPr algn="ctr"/>
+            <a:r>
+              <a:rPr lang="en-US" sz="2400" b="1" dirty="0">
+                <a:solidFill>
+                  <a:schemeClr val="accent5">
+                    <a:lumMod val="75000"/>
+                  </a:schemeClr>
+                </a:solidFill>
+              </a:rPr>
+              <a:t>Sales distribution Across Life stages clustered membership type </a:t>
+            </a:r>
+            <a:endParaRPr lang="en-ZA" sz="2400" b="1" dirty="0">
+              <a:solidFill>
+                <a:schemeClr val="accent5">
+                  <a:lumMod val="75000"/>
+                </a:schemeClr>
+              </a:solidFill>
+            </a:endParaRPr>
+          </a:p>
+        </p:txBody>
+      </p:sp>
+      <p:pic>
+        <p:nvPicPr>
+          <p:cNvPr id="46" name="Picture 45">
+            <a:extLst>
+              <a:ext uri="{FF2B5EF4-FFF2-40B4-BE49-F238E27FC236}">
+                <a16:creationId xmlns:a16="http://schemas.microsoft.com/office/drawing/2014/main" id="{A5F5E3CA-4C41-88B9-16EC-77A0F3A8622F}"/>
+              </a:ext>
+            </a:extLst>
+          </p:cNvPr>
+          <p:cNvPicPr>
+            <a:picLocks noChangeAspect="1"/>
+          </p:cNvPicPr>
+          <p:nvPr/>
+        </p:nvPicPr>
+        <p:blipFill>
+          <a:blip r:embed="rId2"/>
+          <a:stretch>
+            <a:fillRect/>
+          </a:stretch>
+        </p:blipFill>
+        <p:spPr>
+          <a:xfrm>
+            <a:off x="318330" y="1398093"/>
+            <a:ext cx="11035470" cy="4806764"/>
+          </a:xfrm>
+          <a:prstGeom prst="rect">
+            <a:avLst/>
+          </a:prstGeom>
+        </p:spPr>
+      </p:pic>
+    </p:spTree>
+    <p:extLst>
+      <p:ext uri="{BB962C8B-B14F-4D97-AF65-F5344CB8AC3E}">
+        <p14:creationId xmlns:p14="http://schemas.microsoft.com/office/powerpoint/2010/main" val="2619301236"/>
+      </p:ext>
+    </p:extLst>
+  </p:cSld>
+  <p:clrMapOvr>
+    <a:masterClrMapping/>
+  </p:clrMapOvr>
+</p:sld>
+</file>
+
 <file path=ppt/slides/slide8.xml><?xml version="1.0" encoding="utf-8"?>
 <p:sld xmlns:a="http://schemas.openxmlformats.org/drawingml/2006/main" xmlns:r="http://schemas.openxmlformats.org/officeDocument/2006/relationships" xmlns:p="http://schemas.openxmlformats.org/presentationml/2006/main">
   <p:cSld>
@@ -15613,46 +15242,64 @@
       </p:grpSpPr>
       <p:sp>
         <p:nvSpPr>
-          <p:cNvPr id="23" name="Date Placeholder 22">
-            <a:extLst>
-              <a:ext uri="{FF2B5EF4-FFF2-40B4-BE49-F238E27FC236}">
-                <a16:creationId xmlns:a16="http://schemas.microsoft.com/office/drawing/2014/main" id="{637DEDF5-3FCD-4BC2-86A5-7BE2BF01EA38}"/>
-              </a:ext>
-            </a:extLst>
-          </p:cNvPr>
-          <p:cNvSpPr>
-            <a:spLocks noGrp="1"/>
-          </p:cNvSpPr>
-          <p:nvPr>
-            <p:ph type="dt" sz="half" idx="10"/>
-          </p:nvPr>
-        </p:nvSpPr>
-        <p:spPr/>
+          <p:cNvPr id="2" name="Title 1">
+            <a:extLst>
+              <a:ext uri="{FF2B5EF4-FFF2-40B4-BE49-F238E27FC236}">
+                <a16:creationId xmlns:a16="http://schemas.microsoft.com/office/drawing/2014/main" id="{8A4A07D3-5D43-BD4F-1616-99C81DC2739F}"/>
+              </a:ext>
+            </a:extLst>
+          </p:cNvPr>
+          <p:cNvSpPr>
+            <a:spLocks noGrp="1"/>
+          </p:cNvSpPr>
+          <p:nvPr>
+            <p:ph type="title"/>
+          </p:nvPr>
+        </p:nvSpPr>
+        <p:spPr>
+          <a:xfrm>
+            <a:off x="1885156" y="270589"/>
+            <a:ext cx="8421688" cy="1007705"/>
+          </a:xfrm>
+        </p:spPr>
         <p:txBody>
           <a:bodyPr/>
           <a:lstStyle/>
           <a:p>
             <a:r>
-              <a:rPr lang="en-US" dirty="0"/>
-              <a:t>20XX</a:t>
-            </a:r>
-          </a:p>
-        </p:txBody>
-      </p:sp>
-      <p:sp>
-        <p:nvSpPr>
-          <p:cNvPr id="24" name="Footer Placeholder 23">
-            <a:extLst>
-              <a:ext uri="{FF2B5EF4-FFF2-40B4-BE49-F238E27FC236}">
-                <a16:creationId xmlns:a16="http://schemas.microsoft.com/office/drawing/2014/main" id="{918C3C97-444D-4600-8553-B9C4C1F8483B}"/>
-              </a:ext>
-            </a:extLst>
-          </p:cNvPr>
-          <p:cNvSpPr>
-            <a:spLocks noGrp="1"/>
-          </p:cNvSpPr>
-          <p:nvPr>
-            <p:ph type="ftr" sz="quarter" idx="11"/>
+              <a:rPr lang="en-US" dirty="0">
+                <a:solidFill>
+                  <a:schemeClr val="accent5">
+                    <a:lumMod val="75000"/>
+                  </a:schemeClr>
+                </a:solidFill>
+              </a:rPr>
+              <a:t>Percentage of sales to customer Groups</a:t>
+            </a:r>
+            <a:endParaRPr lang="en-ZA" dirty="0">
+              <a:solidFill>
+                <a:schemeClr val="accent5">
+                  <a:lumMod val="75000"/>
+                </a:schemeClr>
+              </a:solidFill>
+            </a:endParaRPr>
+          </a:p>
+        </p:txBody>
+      </p:sp>
+      <p:sp>
+        <p:nvSpPr>
+          <p:cNvPr id="15" name="Date Placeholder 14">
+            <a:extLst>
+              <a:ext uri="{FF2B5EF4-FFF2-40B4-BE49-F238E27FC236}">
+                <a16:creationId xmlns:a16="http://schemas.microsoft.com/office/drawing/2014/main" id="{59A7087A-DA7C-696E-7C0F-FF4590B92197}"/>
+              </a:ext>
+            </a:extLst>
+          </p:cNvPr>
+          <p:cNvSpPr>
+            <a:spLocks noGrp="1"/>
+          </p:cNvSpPr>
+          <p:nvPr>
+            <p:ph type="dt" sz="half" idx="10"/>
           </p:nvPr>
         </p:nvSpPr>
         <p:spPr/>
@@ -15661,18 +15308,51 @@
           <a:lstStyle/>
           <a:p>
             <a:r>
-              <a:rPr lang="en-US" dirty="0"/>
-              <a:t>PRESENTATION TITLE</a:t>
-            </a:r>
-          </a:p>
-        </p:txBody>
-      </p:sp>
-      <p:sp>
-        <p:nvSpPr>
-          <p:cNvPr id="25" name="Slide Number Placeholder 24">
-            <a:extLst>
-              <a:ext uri="{FF2B5EF4-FFF2-40B4-BE49-F238E27FC236}">
-                <a16:creationId xmlns:a16="http://schemas.microsoft.com/office/drawing/2014/main" id="{148E9129-4CC6-47BA-ACD8-2C632A8660EC}"/>
+              <a:rPr lang="en-US"/>
+              <a:t>20XX</a:t>
+            </a:r>
+            <a:endParaRPr lang="en-US" dirty="0"/>
+          </a:p>
+        </p:txBody>
+      </p:sp>
+      <p:sp>
+        <p:nvSpPr>
+          <p:cNvPr id="16" name="Footer Placeholder 15">
+            <a:extLst>
+              <a:ext uri="{FF2B5EF4-FFF2-40B4-BE49-F238E27FC236}">
+                <a16:creationId xmlns:a16="http://schemas.microsoft.com/office/drawing/2014/main" id="{C64695F6-D69D-DEAA-90C9-FC06EDA21679}"/>
+              </a:ext>
+            </a:extLst>
+          </p:cNvPr>
+          <p:cNvSpPr>
+            <a:spLocks noGrp="1"/>
+          </p:cNvSpPr>
+          <p:nvPr>
+            <p:ph type="ftr" sz="quarter" idx="11"/>
+          </p:nvPr>
+        </p:nvSpPr>
+        <p:spPr/>
+        <p:txBody>
+          <a:bodyPr/>
+          <a:lstStyle/>
+          <a:p>
+            <a:r>
+              <a:rPr lang="en-US" b="1" dirty="0">
+                <a:solidFill>
+                  <a:srgbClr val="0070C0"/>
+                </a:solidFill>
+              </a:rPr>
+              <a:t>Chips Sales Data</a:t>
+            </a:r>
+          </a:p>
+        </p:txBody>
+      </p:sp>
+      <p:sp>
+        <p:nvSpPr>
+          <p:cNvPr id="17" name="Slide Number Placeholder 16">
+            <a:extLst>
+              <a:ext uri="{FF2B5EF4-FFF2-40B4-BE49-F238E27FC236}">
+                <a16:creationId xmlns:a16="http://schemas.microsoft.com/office/drawing/2014/main" id="{24F21C07-91B4-6A13-3A19-36D91E9983F2}"/>
               </a:ext>
             </a:extLst>
           </p:cNvPr>
@@ -15697,74 +15377,12 @@
           </a:p>
         </p:txBody>
       </p:sp>
-      <p:sp>
-        <p:nvSpPr>
-          <p:cNvPr id="44" name="Rectangle: Rounded Corners 43">
-            <a:extLst>
-              <a:ext uri="{FF2B5EF4-FFF2-40B4-BE49-F238E27FC236}">
-                <a16:creationId xmlns:a16="http://schemas.microsoft.com/office/drawing/2014/main" id="{95C2522B-797E-D852-9D4A-CB3908E3BD2C}"/>
-              </a:ext>
-            </a:extLst>
-          </p:cNvPr>
-          <p:cNvSpPr/>
-          <p:nvPr/>
-        </p:nvSpPr>
-        <p:spPr>
-          <a:xfrm>
-            <a:off x="1120878" y="354563"/>
-            <a:ext cx="9615948" cy="914400"/>
-          </a:xfrm>
-          <a:prstGeom prst="roundRect">
-            <a:avLst/>
-          </a:prstGeom>
-        </p:spPr>
-        <p:style>
-          <a:lnRef idx="2">
-            <a:schemeClr val="accent1">
-              <a:shade val="50000"/>
-            </a:schemeClr>
-          </a:lnRef>
-          <a:fillRef idx="1">
-            <a:schemeClr val="accent1"/>
-          </a:fillRef>
-          <a:effectRef idx="0">
-            <a:schemeClr val="accent1"/>
-          </a:effectRef>
-          <a:fontRef idx="minor">
-            <a:schemeClr val="lt1"/>
-          </a:fontRef>
-        </p:style>
-        <p:txBody>
-          <a:bodyPr rtlCol="0" anchor="ctr"/>
-          <a:lstStyle/>
-          <a:p>
-            <a:pPr algn="ctr"/>
-            <a:r>
-              <a:rPr lang="en-US" sz="2400" b="1" dirty="0">
-                <a:solidFill>
-                  <a:schemeClr val="accent5">
-                    <a:lumMod val="75000"/>
-                  </a:schemeClr>
-                </a:solidFill>
-              </a:rPr>
-              <a:t>Sales distribution Across Life stages clustered membership type </a:t>
-            </a:r>
-            <a:endParaRPr lang="en-ZA" sz="2400" b="1" dirty="0">
-              <a:solidFill>
-                <a:schemeClr val="accent5">
-                  <a:lumMod val="75000"/>
-                </a:schemeClr>
-              </a:solidFill>
-            </a:endParaRPr>
-          </a:p>
-        </p:txBody>
-      </p:sp>
       <p:pic>
         <p:nvPicPr>
-          <p:cNvPr id="46" name="Picture 45">
-            <a:extLst>
-              <a:ext uri="{FF2B5EF4-FFF2-40B4-BE49-F238E27FC236}">
-                <a16:creationId xmlns:a16="http://schemas.microsoft.com/office/drawing/2014/main" id="{A5F5E3CA-4C41-88B9-16EC-77A0F3A8622F}"/>
+          <p:cNvPr id="19" name="Picture 18">
+            <a:extLst>
+              <a:ext uri="{FF2B5EF4-FFF2-40B4-BE49-F238E27FC236}">
+                <a16:creationId xmlns:a16="http://schemas.microsoft.com/office/drawing/2014/main" id="{D61A4A0F-817F-F70A-08A3-9D0E6FE91E59}"/>
               </a:ext>
             </a:extLst>
           </p:cNvPr>
@@ -15781,8 +15399,8 @@
         </p:blipFill>
         <p:spPr>
           <a:xfrm>
-            <a:off x="318330" y="1398093"/>
-            <a:ext cx="11035470" cy="4806764"/>
+            <a:off x="2929812" y="1078376"/>
+            <a:ext cx="7576456" cy="5193999"/>
           </a:xfrm>
           <a:prstGeom prst="rect">
             <a:avLst/>
@@ -15792,7 +15410,7 @@
     </p:spTree>
     <p:extLst>
       <p:ext uri="{BB962C8B-B14F-4D97-AF65-F5344CB8AC3E}">
-        <p14:creationId xmlns:p14="http://schemas.microsoft.com/office/powerpoint/2010/main" val="2619301236"/>
+        <p14:creationId xmlns:p14="http://schemas.microsoft.com/office/powerpoint/2010/main" val="1708873781"/>
       </p:ext>
     </p:extLst>
   </p:cSld>
@@ -15821,24 +15439,24 @@
       </p:grpSpPr>
       <p:sp>
         <p:nvSpPr>
-          <p:cNvPr id="2" name="Title 1">
-            <a:extLst>
-              <a:ext uri="{FF2B5EF4-FFF2-40B4-BE49-F238E27FC236}">
-                <a16:creationId xmlns:a16="http://schemas.microsoft.com/office/drawing/2014/main" id="{8A4A07D3-5D43-BD4F-1616-99C81DC2739F}"/>
-              </a:ext>
-            </a:extLst>
-          </p:cNvPr>
-          <p:cNvSpPr>
-            <a:spLocks noGrp="1"/>
-          </p:cNvSpPr>
-          <p:nvPr>
-            <p:ph type="title"/>
-          </p:nvPr>
-        </p:nvSpPr>
-        <p:spPr>
-          <a:xfrm>
-            <a:off x="1885156" y="270589"/>
-            <a:ext cx="8421688" cy="1007705"/>
+          <p:cNvPr id="6" name="Date Placeholder 5">
+            <a:extLst>
+              <a:ext uri="{FF2B5EF4-FFF2-40B4-BE49-F238E27FC236}">
+                <a16:creationId xmlns:a16="http://schemas.microsoft.com/office/drawing/2014/main" id="{3627CC26-34EF-4BB9-B289-9EC56B07D1E6}"/>
+              </a:ext>
+            </a:extLst>
+          </p:cNvPr>
+          <p:cNvSpPr>
+            <a:spLocks noGrp="1"/>
+          </p:cNvSpPr>
+          <p:nvPr>
+            <p:ph type="dt" sz="half" idx="10"/>
+          </p:nvPr>
+        </p:nvSpPr>
+        <p:spPr>
+          <a:xfrm>
+            <a:off x="838200" y="6356350"/>
+            <a:ext cx="2743200" cy="365125"/>
           </a:xfrm>
         </p:spPr>
         <p:txBody>
@@ -15846,89 +15464,55 @@
           <a:lstStyle/>
           <a:p>
             <a:r>
-              <a:rPr lang="en-US" dirty="0">
+              <a:rPr lang="en-US" dirty="0"/>
+              <a:t>20XX</a:t>
+            </a:r>
+          </a:p>
+        </p:txBody>
+      </p:sp>
+      <p:sp>
+        <p:nvSpPr>
+          <p:cNvPr id="7" name="Footer Placeholder 6">
+            <a:extLst>
+              <a:ext uri="{FF2B5EF4-FFF2-40B4-BE49-F238E27FC236}">
+                <a16:creationId xmlns:a16="http://schemas.microsoft.com/office/drawing/2014/main" id="{4E98E6AD-9D37-499C-898E-ED12AC36D31D}"/>
+              </a:ext>
+            </a:extLst>
+          </p:cNvPr>
+          <p:cNvSpPr>
+            <a:spLocks noGrp="1"/>
+          </p:cNvSpPr>
+          <p:nvPr>
+            <p:ph type="ftr" sz="quarter" idx="11"/>
+          </p:nvPr>
+        </p:nvSpPr>
+        <p:spPr>
+          <a:xfrm>
+            <a:off x="4038600" y="6356350"/>
+            <a:ext cx="4114800" cy="365125"/>
+          </a:xfrm>
+        </p:spPr>
+        <p:txBody>
+          <a:bodyPr/>
+          <a:lstStyle/>
+          <a:p>
+            <a:r>
+              <a:rPr lang="en-US" b="1" dirty="0">
                 <a:solidFill>
-                  <a:schemeClr val="accent5">
-                    <a:lumMod val="75000"/>
-                  </a:schemeClr>
+                  <a:srgbClr val="0070C0"/>
                 </a:solidFill>
               </a:rPr>
-              <a:t>Percentage of sales to customer Groups</a:t>
-            </a:r>
-            <a:endParaRPr lang="en-ZA" dirty="0">
-              <a:solidFill>
-                <a:schemeClr val="accent5">
-                  <a:lumMod val="75000"/>
-                </a:schemeClr>
-              </a:solidFill>
-            </a:endParaRPr>
-          </a:p>
-        </p:txBody>
-      </p:sp>
-      <p:sp>
-        <p:nvSpPr>
-          <p:cNvPr id="15" name="Date Placeholder 14">
-            <a:extLst>
-              <a:ext uri="{FF2B5EF4-FFF2-40B4-BE49-F238E27FC236}">
-                <a16:creationId xmlns:a16="http://schemas.microsoft.com/office/drawing/2014/main" id="{59A7087A-DA7C-696E-7C0F-FF4590B92197}"/>
-              </a:ext>
-            </a:extLst>
-          </p:cNvPr>
-          <p:cNvSpPr>
-            <a:spLocks noGrp="1"/>
-          </p:cNvSpPr>
-          <p:nvPr>
-            <p:ph type="dt" sz="half" idx="10"/>
-          </p:nvPr>
-        </p:nvSpPr>
-        <p:spPr/>
-        <p:txBody>
-          <a:bodyPr/>
-          <a:lstStyle/>
-          <a:p>
-            <a:r>
-              <a:rPr lang="en-US"/>
-              <a:t>20XX</a:t>
-            </a:r>
-            <a:endParaRPr lang="en-US" dirty="0"/>
-          </a:p>
-        </p:txBody>
-      </p:sp>
-      <p:sp>
-        <p:nvSpPr>
-          <p:cNvPr id="16" name="Footer Placeholder 15">
-            <a:extLst>
-              <a:ext uri="{FF2B5EF4-FFF2-40B4-BE49-F238E27FC236}">
-                <a16:creationId xmlns:a16="http://schemas.microsoft.com/office/drawing/2014/main" id="{C64695F6-D69D-DEAA-90C9-FC06EDA21679}"/>
-              </a:ext>
-            </a:extLst>
-          </p:cNvPr>
-          <p:cNvSpPr>
-            <a:spLocks noGrp="1"/>
-          </p:cNvSpPr>
-          <p:nvPr>
-            <p:ph type="ftr" sz="quarter" idx="11"/>
-          </p:nvPr>
-        </p:nvSpPr>
-        <p:spPr/>
-        <p:txBody>
-          <a:bodyPr/>
-          <a:lstStyle/>
-          <a:p>
-            <a:r>
-              <a:rPr lang="en-US"/>
-              <a:t>PRESENTATION TITLE</a:t>
-            </a:r>
-            <a:endParaRPr lang="en-US" dirty="0"/>
-          </a:p>
-        </p:txBody>
-      </p:sp>
-      <p:sp>
-        <p:nvSpPr>
-          <p:cNvPr id="17" name="Slide Number Placeholder 16">
-            <a:extLst>
-              <a:ext uri="{FF2B5EF4-FFF2-40B4-BE49-F238E27FC236}">
-                <a16:creationId xmlns:a16="http://schemas.microsoft.com/office/drawing/2014/main" id="{24F21C07-91B4-6A13-3A19-36D91E9983F2}"/>
+              <a:t>Chips Sales data</a:t>
+            </a:r>
+          </a:p>
+        </p:txBody>
+      </p:sp>
+      <p:sp>
+        <p:nvSpPr>
+          <p:cNvPr id="8" name="Slide Number Placeholder 7">
+            <a:extLst>
+              <a:ext uri="{FF2B5EF4-FFF2-40B4-BE49-F238E27FC236}">
+                <a16:creationId xmlns:a16="http://schemas.microsoft.com/office/drawing/2014/main" id="{92908AF9-2A07-4B50-BC13-471792106EC8}"/>
               </a:ext>
             </a:extLst>
           </p:cNvPr>
@@ -15939,7 +15523,12 @@
             <p:ph type="sldNum" sz="quarter" idx="12"/>
           </p:nvPr>
         </p:nvSpPr>
-        <p:spPr/>
+        <p:spPr>
+          <a:xfrm>
+            <a:off x="8610600" y="6356350"/>
+            <a:ext cx="2743200" cy="365125"/>
+          </a:xfrm>
+        </p:spPr>
         <p:txBody>
           <a:bodyPr/>
           <a:lstStyle/>
@@ -15955,10 +15544,10 @@
       </p:sp>
       <p:pic>
         <p:nvPicPr>
-          <p:cNvPr id="19" name="Picture 18">
-            <a:extLst>
-              <a:ext uri="{FF2B5EF4-FFF2-40B4-BE49-F238E27FC236}">
-                <a16:creationId xmlns:a16="http://schemas.microsoft.com/office/drawing/2014/main" id="{D61A4A0F-817F-F70A-08A3-9D0E6FE91E59}"/>
+          <p:cNvPr id="9" name="Picture 8">
+            <a:extLst>
+              <a:ext uri="{FF2B5EF4-FFF2-40B4-BE49-F238E27FC236}">
+                <a16:creationId xmlns:a16="http://schemas.microsoft.com/office/drawing/2014/main" id="{11368F55-2193-1C78-2166-0A5AEFF8B8FB}"/>
               </a:ext>
             </a:extLst>
           </p:cNvPr>
@@ -15975,18 +15564,80 @@
         </p:blipFill>
         <p:spPr>
           <a:xfrm>
-            <a:off x="2929812" y="1078376"/>
-            <a:ext cx="7576456" cy="5193999"/>
+            <a:off x="400051" y="1328973"/>
+            <a:ext cx="11018068" cy="5027378"/>
           </a:xfrm>
           <a:prstGeom prst="rect">
             <a:avLst/>
           </a:prstGeom>
         </p:spPr>
       </p:pic>
+      <p:sp>
+        <p:nvSpPr>
+          <p:cNvPr id="11" name="Rectangle: Rounded Corners 10">
+            <a:extLst>
+              <a:ext uri="{FF2B5EF4-FFF2-40B4-BE49-F238E27FC236}">
+                <a16:creationId xmlns:a16="http://schemas.microsoft.com/office/drawing/2014/main" id="{5EDD5065-7587-C143-9EA9-30A5B30B2C41}"/>
+              </a:ext>
+            </a:extLst>
+          </p:cNvPr>
+          <p:cNvSpPr/>
+          <p:nvPr/>
+        </p:nvSpPr>
+        <p:spPr>
+          <a:xfrm>
+            <a:off x="2152650" y="234949"/>
+            <a:ext cx="8610600" cy="533400"/>
+          </a:xfrm>
+          <a:prstGeom prst="roundRect">
+            <a:avLst/>
+          </a:prstGeom>
+        </p:spPr>
+        <p:style>
+          <a:lnRef idx="2">
+            <a:schemeClr val="accent1">
+              <a:shade val="50000"/>
+            </a:schemeClr>
+          </a:lnRef>
+          <a:fillRef idx="1">
+            <a:schemeClr val="accent1"/>
+          </a:fillRef>
+          <a:effectRef idx="0">
+            <a:schemeClr val="accent1"/>
+          </a:effectRef>
+          <a:fontRef idx="minor">
+            <a:schemeClr val="lt1"/>
+          </a:fontRef>
+        </p:style>
+        <p:txBody>
+          <a:bodyPr rtlCol="0" anchor="ctr"/>
+          <a:lstStyle/>
+          <a:p>
+            <a:pPr algn="ctr"/>
+            <a:r>
+              <a:rPr lang="en-US" sz="2000" dirty="0">
+                <a:solidFill>
+                  <a:schemeClr val="accent5">
+                    <a:lumMod val="75000"/>
+                  </a:schemeClr>
+                </a:solidFill>
+              </a:rPr>
+              <a:t>Sales Distribution by product Quantity Clustered by Membership Type</a:t>
+            </a:r>
+            <a:endParaRPr lang="en-ZA" sz="2000" dirty="0">
+              <a:solidFill>
+                <a:schemeClr val="accent5">
+                  <a:lumMod val="75000"/>
+                </a:schemeClr>
+              </a:solidFill>
+            </a:endParaRPr>
+          </a:p>
+        </p:txBody>
+      </p:sp>
     </p:spTree>
     <p:extLst>
       <p:ext uri="{BB962C8B-B14F-4D97-AF65-F5344CB8AC3E}">
-        <p14:creationId xmlns:p14="http://schemas.microsoft.com/office/powerpoint/2010/main" val="1708873781"/>
+        <p14:creationId xmlns:p14="http://schemas.microsoft.com/office/powerpoint/2010/main" val="2896385493"/>
       </p:ext>
     </p:extLst>
   </p:cSld>
@@ -16788,6 +16439,15 @@
 </file>
 
 <file path=customXml/item1.xml><?xml version="1.0" encoding="utf-8"?>
+<?mso-contentType ?>
+<FormTemplates xmlns="http://schemas.microsoft.com/sharepoint/v3/contenttype/forms">
+  <Display>DocumentLibraryForm</Display>
+  <Edit>DocumentLibraryForm</Edit>
+  <New>DocumentLibraryForm</New>
+</FormTemplates>
+</file>
+
+<file path=customXml/item2.xml><?xml version="1.0" encoding="utf-8"?>
 <p:properties xmlns:p="http://schemas.microsoft.com/office/2006/metadata/properties" xmlns:xsi="http://www.w3.org/2001/XMLSchema-instance" xmlns:pc="http://schemas.microsoft.com/office/infopath/2007/PartnerControls">
   <documentManagement>
     <_ip_UnifiedCompliancePolicyUIAction xmlns="http://schemas.microsoft.com/sharepoint/v3" xsi:nil="true"/>
@@ -16804,15 +16464,6 @@
     <MediaServiceKeyPoints xmlns="71af3243-3dd4-4a8d-8c0d-dd76da1f02a5" xsi:nil="true"/>
   </documentManagement>
 </p:properties>
-</file>
-
-<file path=customXml/item2.xml><?xml version="1.0" encoding="utf-8"?>
-<?mso-contentType ?>
-<FormTemplates xmlns="http://schemas.microsoft.com/sharepoint/v3/contenttype/forms">
-  <Display>DocumentLibraryForm</Display>
-  <Edit>DocumentLibraryForm</Edit>
-  <New>DocumentLibraryForm</New>
-</FormTemplates>
 </file>
 
 <file path=customXml/item3.xml><?xml version="1.0" encoding="utf-8"?>
@@ -17092,6 +16743,14 @@
 </file>
 
 <file path=customXml/itemProps1.xml><?xml version="1.0" encoding="utf-8"?>
+<ds:datastoreItem xmlns:ds="http://schemas.openxmlformats.org/officeDocument/2006/customXml" ds:itemID="{0FD6FE22-81A0-4500-AFD0-342D21BB9A2C}">
+  <ds:schemaRefs>
+    <ds:schemaRef ds:uri="http://schemas.microsoft.com/sharepoint/v3/contenttype/forms"/>
+  </ds:schemaRefs>
+</ds:datastoreItem>
+</file>
+
+<file path=customXml/itemProps2.xml><?xml version="1.0" encoding="utf-8"?>
 <ds:datastoreItem xmlns:ds="http://schemas.openxmlformats.org/officeDocument/2006/customXml" ds:itemID="{29C43685-694E-4579-B109-3C418D49DA65}">
   <ds:schemaRefs>
     <ds:schemaRef ds:uri="http://schemas.microsoft.com/office/2006/metadata/properties"/>
@@ -17099,14 +16758,6 @@
     <ds:schemaRef ds:uri="http://schemas.microsoft.com/sharepoint/v3"/>
     <ds:schemaRef ds:uri="71af3243-3dd4-4a8d-8c0d-dd76da1f02a5"/>
     <ds:schemaRef ds:uri="230e9df3-be65-4c73-a93b-d1236ebd677e"/>
-  </ds:schemaRefs>
-</ds:datastoreItem>
-</file>
-
-<file path=customXml/itemProps2.xml><?xml version="1.0" encoding="utf-8"?>
-<ds:datastoreItem xmlns:ds="http://schemas.openxmlformats.org/officeDocument/2006/customXml" ds:itemID="{0FD6FE22-81A0-4500-AFD0-342D21BB9A2C}">
-  <ds:schemaRefs>
-    <ds:schemaRef ds:uri="http://schemas.microsoft.com/sharepoint/v3/contenttype/forms"/>
   </ds:schemaRefs>
 </ds:datastoreItem>
 </file>
